--- a/Trunk/Getting Started Material/DCAF Training/7 Dynamic Modules.pptx
+++ b/Trunk/Getting Started Material/DCAF Training/7 Dynamic Modules.pptx
@@ -7,9 +7,30 @@
   <p:sldIdLst>
     <p:sldId id="259" r:id="rId2"/>
     <p:sldId id="257" r:id="rId3"/>
-    <p:sldId id="397" r:id="rId4"/>
-    <p:sldId id="396" r:id="rId5"/>
-    <p:sldId id="386" r:id="rId6"/>
+    <p:sldId id="398" r:id="rId4"/>
+    <p:sldId id="397" r:id="rId5"/>
+    <p:sldId id="396" r:id="rId6"/>
+    <p:sldId id="403" r:id="rId7"/>
+    <p:sldId id="386" r:id="rId8"/>
+    <p:sldId id="399" r:id="rId9"/>
+    <p:sldId id="400" r:id="rId10"/>
+    <p:sldId id="401" r:id="rId11"/>
+    <p:sldId id="405" r:id="rId12"/>
+    <p:sldId id="404" r:id="rId13"/>
+    <p:sldId id="402" r:id="rId14"/>
+    <p:sldId id="406" r:id="rId15"/>
+    <p:sldId id="412" r:id="rId16"/>
+    <p:sldId id="413" r:id="rId17"/>
+    <p:sldId id="408" r:id="rId18"/>
+    <p:sldId id="407" r:id="rId19"/>
+    <p:sldId id="409" r:id="rId20"/>
+    <p:sldId id="410" r:id="rId21"/>
+    <p:sldId id="411" r:id="rId22"/>
+    <p:sldId id="415" r:id="rId23"/>
+    <p:sldId id="418" r:id="rId24"/>
+    <p:sldId id="417" r:id="rId25"/>
+    <p:sldId id="420" r:id="rId26"/>
+    <p:sldId id="422" r:id="rId27"/>
   </p:sldIdLst>
   <p:sldSz cx="12192000" cy="6858000"/>
   <p:notesSz cx="6858000" cy="9144000"/>
@@ -3251,7 +3272,7 @@
           <a:p>
             <a:fld id="{9B35DD74-3974-4499-A04F-B283A29442F2}" type="datetimeFigureOut">
               <a:rPr lang="en-US" smtClean="0"/>
-              <a:t>7/6/2018</a:t>
+              <a:t>7/9/2018</a:t>
             </a:fld>
             <a:endParaRPr lang="en-US"/>
           </a:p>
@@ -4242,7 +4263,7 @@
           <a:p>
             <a:fld id="{9B35DD74-3974-4499-A04F-B283A29442F2}" type="datetimeFigureOut">
               <a:rPr lang="en-US" smtClean="0"/>
-              <a:t>7/6/2018</a:t>
+              <a:t>7/9/2018</a:t>
             </a:fld>
             <a:endParaRPr lang="en-US"/>
           </a:p>
@@ -6974,7 +6995,7 @@
           <a:p>
             <a:r>
               <a:rPr lang="en-US" dirty="0"/>
-              <a:t>Static Modules</a:t>
+              <a:t>Dynamic Modules</a:t>
             </a:r>
           </a:p>
         </p:txBody>
@@ -6998,15 +7019,7 @@
           <a:p>
             <a:r>
               <a:rPr lang="en-US" dirty="0"/>
-              <a:t>Benjamin </a:t>
-            </a:r>
-            <a:r>
-              <a:rPr lang="en-US" dirty="0" err="1"/>
-              <a:t>Celis</a:t>
-            </a:r>
-            <a:r>
-              <a:rPr lang="en-US" dirty="0"/>
-              <a:t>, Mathew Pollock, Simon Perez</a:t>
+              <a:t>Benjamin Celis, Simon Perez</a:t>
             </a:r>
           </a:p>
         </p:txBody>
@@ -7034,6 +7047,977 @@
     <p:extLst>
       <p:ext uri="{BB962C8B-B14F-4D97-AF65-F5344CB8AC3E}">
         <p14:creationId xmlns:p14="http://schemas.microsoft.com/office/powerpoint/2010/main" val="3695697852"/>
+      </p:ext>
+    </p:extLst>
+  </p:cSld>
+  <p:clrMapOvr>
+    <a:masterClrMapping/>
+  </p:clrMapOvr>
+</p:sld>
+</file>
+
+<file path=ppt/slides/slide10.xml><?xml version="1.0" encoding="utf-8"?>
+<p:sld xmlns:a="http://schemas.openxmlformats.org/drawingml/2006/main" xmlns:r="http://schemas.openxmlformats.org/officeDocument/2006/relationships" xmlns:p="http://schemas.openxmlformats.org/presentationml/2006/main">
+  <p:cSld>
+    <p:spTree>
+      <p:nvGrpSpPr>
+        <p:cNvPr id="1" name=""/>
+        <p:cNvGrpSpPr/>
+        <p:nvPr/>
+      </p:nvGrpSpPr>
+      <p:grpSpPr>
+        <a:xfrm>
+          <a:off x="0" y="0"/>
+          <a:ext cx="0" cy="0"/>
+          <a:chOff x="0" y="0"/>
+          <a:chExt cx="0" cy="0"/>
+        </a:xfrm>
+      </p:grpSpPr>
+      <p:sp>
+        <p:nvSpPr>
+          <p:cNvPr id="2" name="Title 1">
+            <a:extLst>
+              <a:ext uri="{FF2B5EF4-FFF2-40B4-BE49-F238E27FC236}">
+                <a16:creationId xmlns:a16="http://schemas.microsoft.com/office/drawing/2014/main" id="{67CCDCCF-8BA9-4198-95C9-32E83E09B928}"/>
+              </a:ext>
+            </a:extLst>
+          </p:cNvPr>
+          <p:cNvSpPr>
+            <a:spLocks noGrp="1"/>
+          </p:cNvSpPr>
+          <p:nvPr>
+            <p:ph type="title"/>
+          </p:nvPr>
+        </p:nvSpPr>
+        <p:spPr/>
+        <p:txBody>
+          <a:bodyPr/>
+          <a:lstStyle/>
+          <a:p>
+            <a:r>
+              <a:rPr lang="en-US" dirty="0"/>
+              <a:t>To String from String</a:t>
+            </a:r>
+          </a:p>
+        </p:txBody>
+      </p:sp>
+      <p:pic>
+        <p:nvPicPr>
+          <p:cNvPr id="4" name="Content Placeholder 3">
+            <a:extLst>
+              <a:ext uri="{FF2B5EF4-FFF2-40B4-BE49-F238E27FC236}">
+                <a16:creationId xmlns:a16="http://schemas.microsoft.com/office/drawing/2014/main" id="{A5F1AB14-0C85-423E-B776-56426FD32065}"/>
+              </a:ext>
+            </a:extLst>
+          </p:cNvPr>
+          <p:cNvPicPr>
+            <a:picLocks noGrp="1" noChangeAspect="1"/>
+          </p:cNvPicPr>
+          <p:nvPr>
+            <p:ph idx="1"/>
+          </p:nvPr>
+        </p:nvPicPr>
+        <p:blipFill>
+          <a:blip r:embed="rId2"/>
+          <a:stretch>
+            <a:fillRect/>
+          </a:stretch>
+        </p:blipFill>
+        <p:spPr>
+          <a:xfrm>
+            <a:off x="605367" y="975360"/>
+            <a:ext cx="10972800" cy="2806504"/>
+          </a:xfrm>
+          <a:prstGeom prst="rect">
+            <a:avLst/>
+          </a:prstGeom>
+        </p:spPr>
+      </p:pic>
+      <p:pic>
+        <p:nvPicPr>
+          <p:cNvPr id="5" name="Picture 4">
+            <a:extLst>
+              <a:ext uri="{FF2B5EF4-FFF2-40B4-BE49-F238E27FC236}">
+                <a16:creationId xmlns:a16="http://schemas.microsoft.com/office/drawing/2014/main" id="{8B317D3D-6FC3-4C3F-81AE-BE08AB8BD158}"/>
+              </a:ext>
+            </a:extLst>
+          </p:cNvPr>
+          <p:cNvPicPr>
+            <a:picLocks noChangeAspect="1"/>
+          </p:cNvPicPr>
+          <p:nvPr/>
+        </p:nvPicPr>
+        <p:blipFill>
+          <a:blip r:embed="rId3"/>
+          <a:stretch>
+            <a:fillRect/>
+          </a:stretch>
+        </p:blipFill>
+        <p:spPr>
+          <a:xfrm>
+            <a:off x="2219418" y="3781276"/>
+            <a:ext cx="8818486" cy="2989878"/>
+          </a:xfrm>
+          <a:prstGeom prst="rect">
+            <a:avLst/>
+          </a:prstGeom>
+        </p:spPr>
+      </p:pic>
+    </p:spTree>
+    <p:extLst>
+      <p:ext uri="{BB962C8B-B14F-4D97-AF65-F5344CB8AC3E}">
+        <p14:creationId xmlns:p14="http://schemas.microsoft.com/office/powerpoint/2010/main" val="2880910819"/>
+      </p:ext>
+    </p:extLst>
+  </p:cSld>
+  <p:clrMapOvr>
+    <a:masterClrMapping/>
+  </p:clrMapOvr>
+</p:sld>
+</file>
+
+<file path=ppt/slides/slide11.xml><?xml version="1.0" encoding="utf-8"?>
+<p:sld xmlns:a="http://schemas.openxmlformats.org/drawingml/2006/main" xmlns:r="http://schemas.openxmlformats.org/officeDocument/2006/relationships" xmlns:p="http://schemas.openxmlformats.org/presentationml/2006/main">
+  <p:cSld>
+    <p:spTree>
+      <p:nvGrpSpPr>
+        <p:cNvPr id="1" name=""/>
+        <p:cNvGrpSpPr/>
+        <p:nvPr/>
+      </p:nvGrpSpPr>
+      <p:grpSpPr>
+        <a:xfrm>
+          <a:off x="0" y="0"/>
+          <a:ext cx="0" cy="0"/>
+          <a:chOff x="0" y="0"/>
+          <a:chExt cx="0" cy="0"/>
+        </a:xfrm>
+      </p:grpSpPr>
+      <p:sp>
+        <p:nvSpPr>
+          <p:cNvPr id="2" name="Title 1">
+            <a:extLst>
+              <a:ext uri="{FF2B5EF4-FFF2-40B4-BE49-F238E27FC236}">
+                <a16:creationId xmlns:a16="http://schemas.microsoft.com/office/drawing/2014/main" id="{A3AE03D5-3638-478F-ABC5-4182154AFC05}"/>
+              </a:ext>
+            </a:extLst>
+          </p:cNvPr>
+          <p:cNvSpPr>
+            <a:spLocks noGrp="1"/>
+          </p:cNvSpPr>
+          <p:nvPr>
+            <p:ph type="title"/>
+          </p:nvPr>
+        </p:nvSpPr>
+        <p:spPr/>
+        <p:txBody>
+          <a:bodyPr/>
+          <a:lstStyle/>
+          <a:p>
+            <a:r>
+              <a:rPr lang="en-US" dirty="0"/>
+              <a:t>From String Array to String Array</a:t>
+            </a:r>
+          </a:p>
+        </p:txBody>
+      </p:sp>
+      <p:pic>
+        <p:nvPicPr>
+          <p:cNvPr id="8" name="Content Placeholder 7">
+            <a:extLst>
+              <a:ext uri="{FF2B5EF4-FFF2-40B4-BE49-F238E27FC236}">
+                <a16:creationId xmlns:a16="http://schemas.microsoft.com/office/drawing/2014/main" id="{D818CE13-F08F-4388-A086-0D14DD27D168}"/>
+              </a:ext>
+            </a:extLst>
+          </p:cNvPr>
+          <p:cNvPicPr>
+            <a:picLocks noGrp="1" noChangeAspect="1"/>
+          </p:cNvPicPr>
+          <p:nvPr>
+            <p:ph idx="1"/>
+          </p:nvPr>
+        </p:nvPicPr>
+        <p:blipFill>
+          <a:blip r:embed="rId2"/>
+          <a:stretch>
+            <a:fillRect/>
+          </a:stretch>
+        </p:blipFill>
+        <p:spPr>
+          <a:xfrm>
+            <a:off x="1438181" y="1014782"/>
+            <a:ext cx="8541475" cy="2414218"/>
+          </a:xfrm>
+          <a:prstGeom prst="rect">
+            <a:avLst/>
+          </a:prstGeom>
+        </p:spPr>
+      </p:pic>
+      <p:pic>
+        <p:nvPicPr>
+          <p:cNvPr id="9" name="Picture 8">
+            <a:extLst>
+              <a:ext uri="{FF2B5EF4-FFF2-40B4-BE49-F238E27FC236}">
+                <a16:creationId xmlns:a16="http://schemas.microsoft.com/office/drawing/2014/main" id="{E7D48E58-13C8-46AD-AD7B-633844FABA11}"/>
+              </a:ext>
+            </a:extLst>
+          </p:cNvPr>
+          <p:cNvPicPr>
+            <a:picLocks noChangeAspect="1"/>
+          </p:cNvPicPr>
+          <p:nvPr/>
+        </p:nvPicPr>
+        <p:blipFill>
+          <a:blip r:embed="rId3"/>
+          <a:stretch>
+            <a:fillRect/>
+          </a:stretch>
+        </p:blipFill>
+        <p:spPr>
+          <a:xfrm>
+            <a:off x="1242031" y="3468422"/>
+            <a:ext cx="9707938" cy="2468990"/>
+          </a:xfrm>
+          <a:prstGeom prst="rect">
+            <a:avLst/>
+          </a:prstGeom>
+        </p:spPr>
+      </p:pic>
+    </p:spTree>
+    <p:extLst>
+      <p:ext uri="{BB962C8B-B14F-4D97-AF65-F5344CB8AC3E}">
+        <p14:creationId xmlns:p14="http://schemas.microsoft.com/office/powerpoint/2010/main" val="1905951187"/>
+      </p:ext>
+    </p:extLst>
+  </p:cSld>
+  <p:clrMapOvr>
+    <a:masterClrMapping/>
+  </p:clrMapOvr>
+</p:sld>
+</file>
+
+<file path=ppt/slides/slide12.xml><?xml version="1.0" encoding="utf-8"?>
+<p:sld xmlns:a="http://schemas.openxmlformats.org/drawingml/2006/main" xmlns:r="http://schemas.openxmlformats.org/officeDocument/2006/relationships" xmlns:p="http://schemas.openxmlformats.org/presentationml/2006/main">
+  <p:cSld>
+    <p:spTree>
+      <p:nvGrpSpPr>
+        <p:cNvPr id="1" name=""/>
+        <p:cNvGrpSpPr/>
+        <p:nvPr/>
+      </p:nvGrpSpPr>
+      <p:grpSpPr>
+        <a:xfrm>
+          <a:off x="0" y="0"/>
+          <a:ext cx="0" cy="0"/>
+          <a:chOff x="0" y="0"/>
+          <a:chExt cx="0" cy="0"/>
+        </a:xfrm>
+      </p:grpSpPr>
+      <p:sp>
+        <p:nvSpPr>
+          <p:cNvPr id="4" name="Text Placeholder 3">
+            <a:extLst>
+              <a:ext uri="{FF2B5EF4-FFF2-40B4-BE49-F238E27FC236}">
+                <a16:creationId xmlns:a16="http://schemas.microsoft.com/office/drawing/2014/main" id="{05F0C360-DA34-4096-A9CE-E2369516CE5A}"/>
+              </a:ext>
+            </a:extLst>
+          </p:cNvPr>
+          <p:cNvSpPr>
+            <a:spLocks noGrp="1"/>
+          </p:cNvSpPr>
+          <p:nvPr>
+            <p:ph type="body" sz="quarter" idx="10"/>
+          </p:nvPr>
+        </p:nvSpPr>
+        <p:spPr/>
+        <p:txBody>
+          <a:bodyPr/>
+          <a:lstStyle/>
+          <a:p>
+            <a:r>
+              <a:rPr lang="en-US" dirty="0"/>
+              <a:t>Exercise 1: Multiplexer </a:t>
+            </a:r>
+            <a:r>
+              <a:rPr lang="en-US" dirty="0" err="1"/>
+              <a:t>configiration</a:t>
+            </a:r>
+            <a:endParaRPr lang="en-US" dirty="0"/>
+          </a:p>
+        </p:txBody>
+      </p:sp>
+    </p:spTree>
+    <p:extLst>
+      <p:ext uri="{BB962C8B-B14F-4D97-AF65-F5344CB8AC3E}">
+        <p14:creationId xmlns:p14="http://schemas.microsoft.com/office/powerpoint/2010/main" val="2636211617"/>
+      </p:ext>
+    </p:extLst>
+  </p:cSld>
+  <p:clrMapOvr>
+    <a:masterClrMapping/>
+  </p:clrMapOvr>
+</p:sld>
+</file>
+
+<file path=ppt/slides/slide13.xml><?xml version="1.0" encoding="utf-8"?>
+<p:sld xmlns:a="http://schemas.openxmlformats.org/drawingml/2006/main" xmlns:r="http://schemas.openxmlformats.org/officeDocument/2006/relationships" xmlns:p="http://schemas.openxmlformats.org/presentationml/2006/main">
+  <p:cSld>
+    <p:spTree>
+      <p:nvGrpSpPr>
+        <p:cNvPr id="1" name=""/>
+        <p:cNvGrpSpPr/>
+        <p:nvPr/>
+      </p:nvGrpSpPr>
+      <p:grpSpPr>
+        <a:xfrm>
+          <a:off x="0" y="0"/>
+          <a:ext cx="0" cy="0"/>
+          <a:chOff x="0" y="0"/>
+          <a:chExt cx="0" cy="0"/>
+        </a:xfrm>
+      </p:grpSpPr>
+      <p:sp>
+        <p:nvSpPr>
+          <p:cNvPr id="2" name="Title 1">
+            <a:extLst>
+              <a:ext uri="{FF2B5EF4-FFF2-40B4-BE49-F238E27FC236}">
+                <a16:creationId xmlns:a16="http://schemas.microsoft.com/office/drawing/2014/main" id="{F77F9243-7F60-48A5-8580-6BC70CC45E94}"/>
+              </a:ext>
+            </a:extLst>
+          </p:cNvPr>
+          <p:cNvSpPr>
+            <a:spLocks noGrp="1"/>
+          </p:cNvSpPr>
+          <p:nvPr>
+            <p:ph type="title"/>
+          </p:nvPr>
+        </p:nvSpPr>
+        <p:spPr/>
+        <p:txBody>
+          <a:bodyPr/>
+          <a:lstStyle/>
+          <a:p>
+            <a:r>
+              <a:rPr lang="en-US" dirty="0"/>
+              <a:t>Exercise 1</a:t>
+            </a:r>
+          </a:p>
+        </p:txBody>
+      </p:sp>
+      <p:sp>
+        <p:nvSpPr>
+          <p:cNvPr id="3" name="Content Placeholder 2">
+            <a:extLst>
+              <a:ext uri="{FF2B5EF4-FFF2-40B4-BE49-F238E27FC236}">
+                <a16:creationId xmlns:a16="http://schemas.microsoft.com/office/drawing/2014/main" id="{4EF2B063-3914-46F2-9763-B3341F3BB5C8}"/>
+              </a:ext>
+            </a:extLst>
+          </p:cNvPr>
+          <p:cNvSpPr>
+            <a:spLocks noGrp="1"/>
+          </p:cNvSpPr>
+          <p:nvPr>
+            <p:ph idx="1"/>
+          </p:nvPr>
+        </p:nvSpPr>
+        <p:spPr/>
+        <p:txBody>
+          <a:bodyPr/>
+          <a:lstStyle/>
+          <a:p>
+            <a:r>
+              <a:rPr lang="en-US" dirty="0"/>
+              <a:t>Create the multiplexer module:</a:t>
+            </a:r>
+          </a:p>
+          <a:p>
+            <a:pPr lvl="1"/>
+            <a:r>
+              <a:rPr lang="en-US" dirty="0"/>
+              <a:t>Allow multiple instances</a:t>
+            </a:r>
+          </a:p>
+          <a:p>
+            <a:pPr lvl="1"/>
+            <a:r>
+              <a:rPr lang="en-US" dirty="0"/>
+              <a:t>Can run on any target</a:t>
+            </a:r>
+          </a:p>
+          <a:p>
+            <a:pPr lvl="1"/>
+            <a:r>
+              <a:rPr lang="en-US" dirty="0"/>
+              <a:t>Supports only doubles and Booleans</a:t>
+            </a:r>
+          </a:p>
+          <a:p>
+            <a:r>
+              <a:rPr lang="en-US" dirty="0"/>
+              <a:t>Implement to String and from String</a:t>
+            </a:r>
+          </a:p>
+          <a:p>
+            <a:r>
+              <a:rPr lang="en-US" dirty="0"/>
+              <a:t>Update the Create test configuration VI</a:t>
+            </a:r>
+          </a:p>
+          <a:p>
+            <a:r>
+              <a:rPr lang="en-US" dirty="0"/>
+              <a:t>Update the to string and from String Unit test</a:t>
+            </a:r>
+          </a:p>
+          <a:p>
+            <a:r>
+              <a:rPr lang="en-US" dirty="0"/>
+              <a:t>Implement the From String Array to String Array</a:t>
+            </a:r>
+          </a:p>
+          <a:p>
+            <a:r>
+              <a:rPr lang="en-US" dirty="0"/>
+              <a:t>Update the to String and from String Unit test</a:t>
+            </a:r>
+          </a:p>
+          <a:p>
+            <a:endParaRPr lang="en-US" dirty="0"/>
+          </a:p>
+          <a:p>
+            <a:endParaRPr lang="en-US" dirty="0"/>
+          </a:p>
+          <a:p>
+            <a:endParaRPr lang="en-US" dirty="0"/>
+          </a:p>
+          <a:p>
+            <a:endParaRPr lang="en-US" dirty="0"/>
+          </a:p>
+          <a:p>
+            <a:endParaRPr lang="en-US" dirty="0"/>
+          </a:p>
+        </p:txBody>
+      </p:sp>
+    </p:spTree>
+    <p:extLst>
+      <p:ext uri="{BB962C8B-B14F-4D97-AF65-F5344CB8AC3E}">
+        <p14:creationId xmlns:p14="http://schemas.microsoft.com/office/powerpoint/2010/main" val="2429970101"/>
+      </p:ext>
+    </p:extLst>
+  </p:cSld>
+  <p:clrMapOvr>
+    <a:masterClrMapping/>
+  </p:clrMapOvr>
+</p:sld>
+</file>
+
+<file path=ppt/slides/slide14.xml><?xml version="1.0" encoding="utf-8"?>
+<p:sld xmlns:a="http://schemas.openxmlformats.org/drawingml/2006/main" xmlns:r="http://schemas.openxmlformats.org/officeDocument/2006/relationships" xmlns:p="http://schemas.openxmlformats.org/presentationml/2006/main">
+  <p:cSld>
+    <p:spTree>
+      <p:nvGrpSpPr>
+        <p:cNvPr id="1" name=""/>
+        <p:cNvGrpSpPr/>
+        <p:nvPr/>
+      </p:nvGrpSpPr>
+      <p:grpSpPr>
+        <a:xfrm>
+          <a:off x="0" y="0"/>
+          <a:ext cx="0" cy="0"/>
+          <a:chOff x="0" y="0"/>
+          <a:chExt cx="0" cy="0"/>
+        </a:xfrm>
+      </p:grpSpPr>
+      <p:sp>
+        <p:nvSpPr>
+          <p:cNvPr id="2" name="Title 1">
+            <a:extLst>
+              <a:ext uri="{FF2B5EF4-FFF2-40B4-BE49-F238E27FC236}">
+                <a16:creationId xmlns:a16="http://schemas.microsoft.com/office/drawing/2014/main" id="{3EA5E4AA-74A0-4BE5-B7F5-86FEA72FC6CD}"/>
+              </a:ext>
+            </a:extLst>
+          </p:cNvPr>
+          <p:cNvSpPr>
+            <a:spLocks noGrp="1"/>
+          </p:cNvSpPr>
+          <p:nvPr>
+            <p:ph type="title"/>
+          </p:nvPr>
+        </p:nvSpPr>
+        <p:spPr/>
+        <p:txBody>
+          <a:bodyPr/>
+          <a:lstStyle/>
+          <a:p>
+            <a:r>
+              <a:rPr lang="en-US" dirty="0"/>
+              <a:t>Runtime </a:t>
+            </a:r>
+          </a:p>
+        </p:txBody>
+      </p:sp>
+      <p:pic>
+        <p:nvPicPr>
+          <p:cNvPr id="4" name="Content Placeholder 3">
+            <a:extLst>
+              <a:ext uri="{FF2B5EF4-FFF2-40B4-BE49-F238E27FC236}">
+                <a16:creationId xmlns:a16="http://schemas.microsoft.com/office/drawing/2014/main" id="{061E0ED2-2E64-493E-9EE6-796DF31D07EA}"/>
+              </a:ext>
+            </a:extLst>
+          </p:cNvPr>
+          <p:cNvPicPr>
+            <a:picLocks noGrp="1" noChangeAspect="1"/>
+          </p:cNvPicPr>
+          <p:nvPr>
+            <p:ph idx="1"/>
+          </p:nvPr>
+        </p:nvPicPr>
+        <p:blipFill>
+          <a:blip r:embed="rId2"/>
+          <a:stretch>
+            <a:fillRect/>
+          </a:stretch>
+        </p:blipFill>
+        <p:spPr>
+          <a:xfrm>
+            <a:off x="2290439" y="1686749"/>
+            <a:ext cx="6933460" cy="3168098"/>
+          </a:xfrm>
+          <a:prstGeom prst="rect">
+            <a:avLst/>
+          </a:prstGeom>
+        </p:spPr>
+      </p:pic>
+    </p:spTree>
+    <p:extLst>
+      <p:ext uri="{BB962C8B-B14F-4D97-AF65-F5344CB8AC3E}">
+        <p14:creationId xmlns:p14="http://schemas.microsoft.com/office/powerpoint/2010/main" val="188185678"/>
+      </p:ext>
+    </p:extLst>
+  </p:cSld>
+  <p:clrMapOvr>
+    <a:masterClrMapping/>
+  </p:clrMapOvr>
+</p:sld>
+</file>
+
+<file path=ppt/slides/slide15.xml><?xml version="1.0" encoding="utf-8"?>
+<p:sld xmlns:a="http://schemas.openxmlformats.org/drawingml/2006/main" xmlns:r="http://schemas.openxmlformats.org/officeDocument/2006/relationships" xmlns:p="http://schemas.openxmlformats.org/presentationml/2006/main">
+  <p:cSld>
+    <p:spTree>
+      <p:nvGrpSpPr>
+        <p:cNvPr id="1" name=""/>
+        <p:cNvGrpSpPr/>
+        <p:nvPr/>
+      </p:nvGrpSpPr>
+      <p:grpSpPr>
+        <a:xfrm>
+          <a:off x="0" y="0"/>
+          <a:ext cx="0" cy="0"/>
+          <a:chOff x="0" y="0"/>
+          <a:chExt cx="0" cy="0"/>
+        </a:xfrm>
+      </p:grpSpPr>
+      <p:sp>
+        <p:nvSpPr>
+          <p:cNvPr id="2" name="Title 1">
+            <a:extLst>
+              <a:ext uri="{FF2B5EF4-FFF2-40B4-BE49-F238E27FC236}">
+                <a16:creationId xmlns:a16="http://schemas.microsoft.com/office/drawing/2014/main" id="{537AA8EC-F66D-4DDC-94D1-3E09342A6FA2}"/>
+              </a:ext>
+            </a:extLst>
+          </p:cNvPr>
+          <p:cNvSpPr>
+            <a:spLocks noGrp="1"/>
+          </p:cNvSpPr>
+          <p:nvPr>
+            <p:ph type="title"/>
+          </p:nvPr>
+        </p:nvSpPr>
+        <p:spPr/>
+        <p:txBody>
+          <a:bodyPr/>
+          <a:lstStyle/>
+          <a:p>
+            <a:r>
+              <a:rPr lang="en-US" dirty="0"/>
+              <a:t>Classify Error</a:t>
+            </a:r>
+          </a:p>
+        </p:txBody>
+      </p:sp>
+      <p:pic>
+        <p:nvPicPr>
+          <p:cNvPr id="4" name="Content Placeholder 3">
+            <a:extLst>
+              <a:ext uri="{FF2B5EF4-FFF2-40B4-BE49-F238E27FC236}">
+                <a16:creationId xmlns:a16="http://schemas.microsoft.com/office/drawing/2014/main" id="{A8D93934-39A0-4309-9FBF-D5D8D61E8902}"/>
+              </a:ext>
+            </a:extLst>
+          </p:cNvPr>
+          <p:cNvPicPr>
+            <a:picLocks noGrp="1" noChangeAspect="1"/>
+          </p:cNvPicPr>
+          <p:nvPr>
+            <p:ph idx="1"/>
+          </p:nvPr>
+        </p:nvPicPr>
+        <p:blipFill>
+          <a:blip r:embed="rId2"/>
+          <a:stretch>
+            <a:fillRect/>
+          </a:stretch>
+        </p:blipFill>
+        <p:spPr>
+          <a:xfrm>
+            <a:off x="604838" y="1067166"/>
+            <a:ext cx="10972800" cy="4712555"/>
+          </a:xfrm>
+          <a:prstGeom prst="rect">
+            <a:avLst/>
+          </a:prstGeom>
+        </p:spPr>
+      </p:pic>
+    </p:spTree>
+    <p:extLst>
+      <p:ext uri="{BB962C8B-B14F-4D97-AF65-F5344CB8AC3E}">
+        <p14:creationId xmlns:p14="http://schemas.microsoft.com/office/powerpoint/2010/main" val="33124454"/>
+      </p:ext>
+    </p:extLst>
+  </p:cSld>
+  <p:clrMapOvr>
+    <a:masterClrMapping/>
+  </p:clrMapOvr>
+</p:sld>
+</file>
+
+<file path=ppt/slides/slide16.xml><?xml version="1.0" encoding="utf-8"?>
+<p:sld xmlns:a="http://schemas.openxmlformats.org/drawingml/2006/main" xmlns:r="http://schemas.openxmlformats.org/officeDocument/2006/relationships" xmlns:p="http://schemas.openxmlformats.org/presentationml/2006/main">
+  <p:cSld>
+    <p:spTree>
+      <p:nvGrpSpPr>
+        <p:cNvPr id="1" name=""/>
+        <p:cNvGrpSpPr/>
+        <p:nvPr/>
+      </p:nvGrpSpPr>
+      <p:grpSpPr>
+        <a:xfrm>
+          <a:off x="0" y="0"/>
+          <a:ext cx="0" cy="0"/>
+          <a:chOff x="0" y="0"/>
+          <a:chExt cx="0" cy="0"/>
+        </a:xfrm>
+      </p:grpSpPr>
+      <p:sp>
+        <p:nvSpPr>
+          <p:cNvPr id="2" name="Title 1">
+            <a:extLst>
+              <a:ext uri="{FF2B5EF4-FFF2-40B4-BE49-F238E27FC236}">
+                <a16:creationId xmlns:a16="http://schemas.microsoft.com/office/drawing/2014/main" id="{EDED1E0F-6649-4261-8354-02D4CFF6711D}"/>
+              </a:ext>
+            </a:extLst>
+          </p:cNvPr>
+          <p:cNvSpPr>
+            <a:spLocks noGrp="1"/>
+          </p:cNvSpPr>
+          <p:nvPr>
+            <p:ph type="title"/>
+          </p:nvPr>
+        </p:nvSpPr>
+        <p:spPr/>
+        <p:txBody>
+          <a:bodyPr/>
+          <a:lstStyle/>
+          <a:p>
+            <a:r>
+              <a:rPr lang="en-US" dirty="0"/>
+              <a:t>Test Runtime</a:t>
+            </a:r>
+          </a:p>
+        </p:txBody>
+      </p:sp>
+      <p:pic>
+        <p:nvPicPr>
+          <p:cNvPr id="4" name="Content Placeholder 3">
+            <a:extLst>
+              <a:ext uri="{FF2B5EF4-FFF2-40B4-BE49-F238E27FC236}">
+                <a16:creationId xmlns:a16="http://schemas.microsoft.com/office/drawing/2014/main" id="{06D04093-7C53-4AB8-9E4C-AE7A003A4F84}"/>
+              </a:ext>
+            </a:extLst>
+          </p:cNvPr>
+          <p:cNvPicPr>
+            <a:picLocks noGrp="1" noChangeAspect="1"/>
+          </p:cNvPicPr>
+          <p:nvPr>
+            <p:ph idx="1"/>
+          </p:nvPr>
+        </p:nvPicPr>
+        <p:blipFill>
+          <a:blip r:embed="rId2"/>
+          <a:stretch>
+            <a:fillRect/>
+          </a:stretch>
+        </p:blipFill>
+        <p:spPr>
+          <a:xfrm>
+            <a:off x="604838" y="1193687"/>
+            <a:ext cx="10972800" cy="4459514"/>
+          </a:xfrm>
+          <a:prstGeom prst="rect">
+            <a:avLst/>
+          </a:prstGeom>
+        </p:spPr>
+      </p:pic>
+    </p:spTree>
+    <p:extLst>
+      <p:ext uri="{BB962C8B-B14F-4D97-AF65-F5344CB8AC3E}">
+        <p14:creationId xmlns:p14="http://schemas.microsoft.com/office/powerpoint/2010/main" val="1286262837"/>
+      </p:ext>
+    </p:extLst>
+  </p:cSld>
+  <p:clrMapOvr>
+    <a:masterClrMapping/>
+  </p:clrMapOvr>
+</p:sld>
+</file>
+
+<file path=ppt/slides/slide17.xml><?xml version="1.0" encoding="utf-8"?>
+<p:sld xmlns:a="http://schemas.openxmlformats.org/drawingml/2006/main" xmlns:r="http://schemas.openxmlformats.org/officeDocument/2006/relationships" xmlns:p="http://schemas.openxmlformats.org/presentationml/2006/main">
+  <p:cSld>
+    <p:spTree>
+      <p:nvGrpSpPr>
+        <p:cNvPr id="1" name=""/>
+        <p:cNvGrpSpPr/>
+        <p:nvPr/>
+      </p:nvGrpSpPr>
+      <p:grpSpPr>
+        <a:xfrm>
+          <a:off x="0" y="0"/>
+          <a:ext cx="0" cy="0"/>
+          <a:chOff x="0" y="0"/>
+          <a:chExt cx="0" cy="0"/>
+        </a:xfrm>
+      </p:grpSpPr>
+      <p:sp>
+        <p:nvSpPr>
+          <p:cNvPr id="4" name="Text Placeholder 3">
+            <a:extLst>
+              <a:ext uri="{FF2B5EF4-FFF2-40B4-BE49-F238E27FC236}">
+                <a16:creationId xmlns:a16="http://schemas.microsoft.com/office/drawing/2014/main" id="{05F0C360-DA34-4096-A9CE-E2369516CE5A}"/>
+              </a:ext>
+            </a:extLst>
+          </p:cNvPr>
+          <p:cNvSpPr>
+            <a:spLocks noGrp="1"/>
+          </p:cNvSpPr>
+          <p:nvPr>
+            <p:ph type="body" sz="quarter" idx="10"/>
+          </p:nvPr>
+        </p:nvSpPr>
+        <p:spPr/>
+        <p:txBody>
+          <a:bodyPr/>
+          <a:lstStyle/>
+          <a:p>
+            <a:r>
+              <a:rPr lang="en-US" dirty="0"/>
+              <a:t>Exercise 2: Multiplexer Runtime</a:t>
+            </a:r>
+          </a:p>
+        </p:txBody>
+      </p:sp>
+    </p:spTree>
+    <p:extLst>
+      <p:ext uri="{BB962C8B-B14F-4D97-AF65-F5344CB8AC3E}">
+        <p14:creationId xmlns:p14="http://schemas.microsoft.com/office/powerpoint/2010/main" val="3329254432"/>
+      </p:ext>
+    </p:extLst>
+  </p:cSld>
+  <p:clrMapOvr>
+    <a:masterClrMapping/>
+  </p:clrMapOvr>
+</p:sld>
+</file>
+
+<file path=ppt/slides/slide18.xml><?xml version="1.0" encoding="utf-8"?>
+<p:sld xmlns:a="http://schemas.openxmlformats.org/drawingml/2006/main" xmlns:r="http://schemas.openxmlformats.org/officeDocument/2006/relationships" xmlns:p="http://schemas.openxmlformats.org/presentationml/2006/main">
+  <p:cSld>
+    <p:spTree>
+      <p:nvGrpSpPr>
+        <p:cNvPr id="1" name=""/>
+        <p:cNvGrpSpPr/>
+        <p:nvPr/>
+      </p:nvGrpSpPr>
+      <p:grpSpPr>
+        <a:xfrm>
+          <a:off x="0" y="0"/>
+          <a:ext cx="0" cy="0"/>
+          <a:chOff x="0" y="0"/>
+          <a:chExt cx="0" cy="0"/>
+        </a:xfrm>
+      </p:grpSpPr>
+      <p:sp>
+        <p:nvSpPr>
+          <p:cNvPr id="2" name="Title 1">
+            <a:extLst>
+              <a:ext uri="{FF2B5EF4-FFF2-40B4-BE49-F238E27FC236}">
+                <a16:creationId xmlns:a16="http://schemas.microsoft.com/office/drawing/2014/main" id="{EFD357B1-2887-4913-9DD8-C0EE80A0C18F}"/>
+              </a:ext>
+            </a:extLst>
+          </p:cNvPr>
+          <p:cNvSpPr>
+            <a:spLocks noGrp="1"/>
+          </p:cNvSpPr>
+          <p:nvPr>
+            <p:ph type="title"/>
+          </p:nvPr>
+        </p:nvSpPr>
+        <p:spPr/>
+        <p:txBody>
+          <a:bodyPr/>
+          <a:lstStyle/>
+          <a:p>
+            <a:r>
+              <a:rPr lang="en-US" dirty="0"/>
+              <a:t>Exercise 2: Multiplexer Runtime</a:t>
+            </a:r>
+          </a:p>
+        </p:txBody>
+      </p:sp>
+      <p:sp>
+        <p:nvSpPr>
+          <p:cNvPr id="3" name="Content Placeholder 2">
+            <a:extLst>
+              <a:ext uri="{FF2B5EF4-FFF2-40B4-BE49-F238E27FC236}">
+                <a16:creationId xmlns:a16="http://schemas.microsoft.com/office/drawing/2014/main" id="{AD40C41E-1B99-4FF4-A8E0-62D686DE4465}"/>
+              </a:ext>
+            </a:extLst>
+          </p:cNvPr>
+          <p:cNvSpPr>
+            <a:spLocks noGrp="1"/>
+          </p:cNvSpPr>
+          <p:nvPr>
+            <p:ph idx="1"/>
+          </p:nvPr>
+        </p:nvSpPr>
+        <p:spPr/>
+        <p:txBody>
+          <a:bodyPr/>
+          <a:lstStyle/>
+          <a:p>
+            <a:r>
+              <a:rPr lang="en-US" dirty="0"/>
+              <a:t>Initialize the runtime class with the scaling value</a:t>
+            </a:r>
+          </a:p>
+          <a:p>
+            <a:r>
+              <a:rPr lang="en-US" dirty="0"/>
+              <a:t>Write the runtime to multiplex channels</a:t>
+            </a:r>
+          </a:p>
+          <a:p>
+            <a:r>
+              <a:rPr lang="en-US" dirty="0"/>
+              <a:t>Unit test the runtime. </a:t>
+            </a:r>
+          </a:p>
+        </p:txBody>
+      </p:sp>
+    </p:spTree>
+    <p:extLst>
+      <p:ext uri="{BB962C8B-B14F-4D97-AF65-F5344CB8AC3E}">
+        <p14:creationId xmlns:p14="http://schemas.microsoft.com/office/powerpoint/2010/main" val="2925313803"/>
+      </p:ext>
+    </p:extLst>
+  </p:cSld>
+  <p:clrMapOvr>
+    <a:masterClrMapping/>
+  </p:clrMapOvr>
+</p:sld>
+</file>
+
+<file path=ppt/slides/slide19.xml><?xml version="1.0" encoding="utf-8"?>
+<p:sld xmlns:a="http://schemas.openxmlformats.org/drawingml/2006/main" xmlns:r="http://schemas.openxmlformats.org/officeDocument/2006/relationships" xmlns:p="http://schemas.openxmlformats.org/presentationml/2006/main">
+  <p:cSld>
+    <p:spTree>
+      <p:nvGrpSpPr>
+        <p:cNvPr id="1" name=""/>
+        <p:cNvGrpSpPr/>
+        <p:nvPr/>
+      </p:nvGrpSpPr>
+      <p:grpSpPr>
+        <a:xfrm>
+          <a:off x="0" y="0"/>
+          <a:ext cx="0" cy="0"/>
+          <a:chOff x="0" y="0"/>
+          <a:chExt cx="0" cy="0"/>
+        </a:xfrm>
+      </p:grpSpPr>
+      <p:sp>
+        <p:nvSpPr>
+          <p:cNvPr id="2" name="Title 1">
+            <a:extLst>
+              <a:ext uri="{FF2B5EF4-FFF2-40B4-BE49-F238E27FC236}">
+                <a16:creationId xmlns:a16="http://schemas.microsoft.com/office/drawing/2014/main" id="{05154675-5137-414E-87EB-D615864DF94D}"/>
+              </a:ext>
+            </a:extLst>
+          </p:cNvPr>
+          <p:cNvSpPr>
+            <a:spLocks noGrp="1"/>
+          </p:cNvSpPr>
+          <p:nvPr>
+            <p:ph type="title"/>
+          </p:nvPr>
+        </p:nvSpPr>
+        <p:spPr/>
+        <p:txBody>
+          <a:bodyPr/>
+          <a:lstStyle/>
+          <a:p>
+            <a:r>
+              <a:rPr lang="en-US" dirty="0"/>
+              <a:t>Editor Node</a:t>
+            </a:r>
+          </a:p>
+        </p:txBody>
+      </p:sp>
+      <p:pic>
+        <p:nvPicPr>
+          <p:cNvPr id="5" name="Content Placeholder 4">
+            <a:extLst>
+              <a:ext uri="{FF2B5EF4-FFF2-40B4-BE49-F238E27FC236}">
+                <a16:creationId xmlns:a16="http://schemas.microsoft.com/office/drawing/2014/main" id="{A0D8EE56-EA84-4B7B-AE29-9D9E49E51BDB}"/>
+              </a:ext>
+            </a:extLst>
+          </p:cNvPr>
+          <p:cNvPicPr>
+            <a:picLocks noGrp="1" noChangeAspect="1"/>
+          </p:cNvPicPr>
+          <p:nvPr>
+            <p:ph idx="1"/>
+          </p:nvPr>
+        </p:nvPicPr>
+        <p:blipFill>
+          <a:blip r:embed="rId2"/>
+          <a:stretch>
+            <a:fillRect/>
+          </a:stretch>
+        </p:blipFill>
+        <p:spPr>
+          <a:xfrm>
+            <a:off x="724480" y="974725"/>
+            <a:ext cx="10733515" cy="4897438"/>
+          </a:xfrm>
+          <a:prstGeom prst="rect">
+            <a:avLst/>
+          </a:prstGeom>
+        </p:spPr>
+      </p:pic>
+    </p:spTree>
+    <p:extLst>
+      <p:ext uri="{BB962C8B-B14F-4D97-AF65-F5344CB8AC3E}">
+        <p14:creationId xmlns:p14="http://schemas.microsoft.com/office/powerpoint/2010/main" val="1324204237"/>
       </p:ext>
     </p:extLst>
   </p:cSld>
@@ -7111,13 +8095,13 @@
           <a:p>
             <a:r>
               <a:rPr lang="en-US" dirty="0"/>
-              <a:t>What is a Dynamic Module</a:t>
-            </a:r>
-          </a:p>
-          <a:p>
-            <a:r>
-              <a:rPr lang="en-US" dirty="0"/>
-              <a:t>When to use a Static module</a:t>
+              <a:t>Dynamic Module Introduction</a:t>
+            </a:r>
+          </a:p>
+          <a:p>
+            <a:r>
+              <a:rPr lang="en-US" dirty="0"/>
+              <a:t>Creating a Dynamic Module</a:t>
             </a:r>
           </a:p>
           <a:p>
@@ -7134,10 +8118,9 @@
           </a:p>
           <a:p>
             <a:r>
-              <a:rPr lang="en-US"/>
-              <a:t>Exercise Module</a:t>
-            </a:r>
-            <a:endParaRPr lang="en-US" dirty="0"/>
+              <a:rPr lang="en-US" dirty="0"/>
+              <a:t>Project: Multiplexer Module</a:t>
+            </a:r>
           </a:p>
         </p:txBody>
       </p:sp>
@@ -7154,7 +8137,7 @@
 </p:sld>
 </file>
 
-<file path=ppt/slides/slide3.xml><?xml version="1.0" encoding="utf-8"?>
+<file path=ppt/slides/slide20.xml><?xml version="1.0" encoding="utf-8"?>
 <p:sld xmlns:a="http://schemas.openxmlformats.org/drawingml/2006/main" xmlns:r="http://schemas.openxmlformats.org/officeDocument/2006/relationships" xmlns:p="http://schemas.openxmlformats.org/presentationml/2006/main">
   <p:cSld>
     <p:spTree>
@@ -7176,7 +8159,7 @@
           <p:cNvPr id="2" name="Title 1">
             <a:extLst>
               <a:ext uri="{FF2B5EF4-FFF2-40B4-BE49-F238E27FC236}">
-                <a16:creationId xmlns:a16="http://schemas.microsoft.com/office/drawing/2014/main" id="{DDB0AA52-A019-4B11-AE1C-933CE2504665}"/>
+                <a16:creationId xmlns:a16="http://schemas.microsoft.com/office/drawing/2014/main" id="{62D72453-29A3-44AC-A32B-D6DA3958C0AB}"/>
               </a:ext>
             </a:extLst>
           </p:cNvPr>
@@ -7194,7 +8177,7 @@
           <a:p>
             <a:r>
               <a:rPr lang="en-US" dirty="0"/>
-              <a:t>Static Or Dynamic?</a:t>
+              <a:t>Define Columns</a:t>
             </a:r>
           </a:p>
         </p:txBody>
@@ -7204,7 +8187,7 @@
           <p:cNvPr id="4" name="Content Placeholder 3">
             <a:extLst>
               <a:ext uri="{FF2B5EF4-FFF2-40B4-BE49-F238E27FC236}">
-                <a16:creationId xmlns:a16="http://schemas.microsoft.com/office/drawing/2014/main" id="{D975B083-44FF-4EC6-88B7-B1D22A1E8F83}"/>
+                <a16:creationId xmlns:a16="http://schemas.microsoft.com/office/drawing/2014/main" id="{5F7D5F94-B1BB-436A-B2AC-6BA762B60225}"/>
               </a:ext>
             </a:extLst>
           </p:cNvPr>
@@ -7223,38 +8206,98 @@
         </p:blipFill>
         <p:spPr>
           <a:xfrm>
-            <a:off x="3008510" y="974725"/>
-            <a:ext cx="6165456" cy="4897438"/>
+            <a:off x="3810840" y="975360"/>
+            <a:ext cx="4915901" cy="4897438"/>
           </a:xfrm>
           <a:prstGeom prst="rect">
             <a:avLst/>
           </a:prstGeom>
         </p:spPr>
       </p:pic>
+    </p:spTree>
+    <p:extLst>
+      <p:ext uri="{BB962C8B-B14F-4D97-AF65-F5344CB8AC3E}">
+        <p14:creationId xmlns:p14="http://schemas.microsoft.com/office/powerpoint/2010/main" val="4204014354"/>
+      </p:ext>
+    </p:extLst>
+  </p:cSld>
+  <p:clrMapOvr>
+    <a:masterClrMapping/>
+  </p:clrMapOvr>
+</p:sld>
+</file>
+
+<file path=ppt/slides/slide21.xml><?xml version="1.0" encoding="utf-8"?>
+<p:sld xmlns:a="http://schemas.openxmlformats.org/drawingml/2006/main" xmlns:r="http://schemas.openxmlformats.org/officeDocument/2006/relationships" xmlns:p="http://schemas.openxmlformats.org/presentationml/2006/main">
+  <p:cSld>
+    <p:spTree>
+      <p:nvGrpSpPr>
+        <p:cNvPr id="1" name=""/>
+        <p:cNvGrpSpPr/>
+        <p:nvPr/>
+      </p:nvGrpSpPr>
+      <p:grpSpPr>
+        <a:xfrm>
+          <a:off x="0" y="0"/>
+          <a:ext cx="0" cy="0"/>
+          <a:chOff x="0" y="0"/>
+          <a:chExt cx="0" cy="0"/>
+        </a:xfrm>
+      </p:grpSpPr>
+      <p:sp>
+        <p:nvSpPr>
+          <p:cNvPr id="2" name="Title 1">
+            <a:extLst>
+              <a:ext uri="{FF2B5EF4-FFF2-40B4-BE49-F238E27FC236}">
+                <a16:creationId xmlns:a16="http://schemas.microsoft.com/office/drawing/2014/main" id="{822001EB-2CB7-4E26-B18C-506200AEA474}"/>
+              </a:ext>
+            </a:extLst>
+          </p:cNvPr>
+          <p:cNvSpPr>
+            <a:spLocks noGrp="1"/>
+          </p:cNvSpPr>
+          <p:nvPr>
+            <p:ph type="title"/>
+          </p:nvPr>
+        </p:nvSpPr>
+        <p:spPr/>
+        <p:txBody>
+          <a:bodyPr/>
+          <a:lstStyle/>
+          <a:p>
+            <a:r>
+              <a:rPr lang="en-US" dirty="0"/>
+              <a:t>Line Configuration Dialog</a:t>
+            </a:r>
+          </a:p>
+        </p:txBody>
+      </p:sp>
       <p:pic>
         <p:nvPicPr>
-          <p:cNvPr id="5" name="Picture 4">
+          <p:cNvPr id="4" name="Content Placeholder 3">
             <a:extLst>
               <a:ext uri="{FF2B5EF4-FFF2-40B4-BE49-F238E27FC236}">
-                <a16:creationId xmlns:a16="http://schemas.microsoft.com/office/drawing/2014/main" id="{C9B7769B-BA63-4090-A5F3-90594FF1DF0F}"/>
+                <a16:creationId xmlns:a16="http://schemas.microsoft.com/office/drawing/2014/main" id="{AE76481A-D222-4EBC-B999-9FC30D00587C}"/>
               </a:ext>
             </a:extLst>
           </p:cNvPr>
           <p:cNvPicPr>
-            <a:picLocks noChangeAspect="1"/>
+            <a:picLocks noGrp="1" noChangeAspect="1"/>
           </p:cNvPicPr>
-          <p:nvPr/>
+          <p:nvPr>
+            <p:ph idx="1"/>
+          </p:nvPr>
         </p:nvPicPr>
         <p:blipFill>
-          <a:blip r:embed="rId3"/>
+          <a:blip r:embed="rId2"/>
           <a:stretch>
             <a:fillRect/>
           </a:stretch>
         </p:blipFill>
         <p:spPr>
           <a:xfrm>
-            <a:off x="3008509" y="1021358"/>
-            <a:ext cx="7002265" cy="5460404"/>
+            <a:off x="1864985" y="974725"/>
+            <a:ext cx="8452505" cy="4897438"/>
           </a:xfrm>
           <a:prstGeom prst="rect">
             <a:avLst/>
@@ -7264,7 +8307,588 @@
     </p:spTree>
     <p:extLst>
       <p:ext uri="{BB962C8B-B14F-4D97-AF65-F5344CB8AC3E}">
-        <p14:creationId xmlns:p14="http://schemas.microsoft.com/office/powerpoint/2010/main" val="2836441277"/>
+        <p14:creationId xmlns:p14="http://schemas.microsoft.com/office/powerpoint/2010/main" val="1424009595"/>
+      </p:ext>
+    </p:extLst>
+  </p:cSld>
+  <p:clrMapOvr>
+    <a:masterClrMapping/>
+  </p:clrMapOvr>
+</p:sld>
+</file>
+
+<file path=ppt/slides/slide22.xml><?xml version="1.0" encoding="utf-8"?>
+<p:sld xmlns:a="http://schemas.openxmlformats.org/drawingml/2006/main" xmlns:r="http://schemas.openxmlformats.org/officeDocument/2006/relationships" xmlns:p="http://schemas.openxmlformats.org/presentationml/2006/main">
+  <p:cSld>
+    <p:spTree>
+      <p:nvGrpSpPr>
+        <p:cNvPr id="1" name=""/>
+        <p:cNvGrpSpPr/>
+        <p:nvPr/>
+      </p:nvGrpSpPr>
+      <p:grpSpPr>
+        <a:xfrm>
+          <a:off x="0" y="0"/>
+          <a:ext cx="0" cy="0"/>
+          <a:chOff x="0" y="0"/>
+          <a:chExt cx="0" cy="0"/>
+        </a:xfrm>
+      </p:grpSpPr>
+      <p:sp>
+        <p:nvSpPr>
+          <p:cNvPr id="4" name="Text Placeholder 3">
+            <a:extLst>
+              <a:ext uri="{FF2B5EF4-FFF2-40B4-BE49-F238E27FC236}">
+                <a16:creationId xmlns:a16="http://schemas.microsoft.com/office/drawing/2014/main" id="{05F0C360-DA34-4096-A9CE-E2369516CE5A}"/>
+              </a:ext>
+            </a:extLst>
+          </p:cNvPr>
+          <p:cNvSpPr>
+            <a:spLocks noGrp="1"/>
+          </p:cNvSpPr>
+          <p:nvPr>
+            <p:ph type="body" sz="quarter" idx="10"/>
+          </p:nvPr>
+        </p:nvSpPr>
+        <p:spPr/>
+        <p:txBody>
+          <a:bodyPr/>
+          <a:lstStyle/>
+          <a:p>
+            <a:r>
+              <a:rPr lang="en-US" dirty="0"/>
+              <a:t>Exercise 3: Editor Node</a:t>
+            </a:r>
+          </a:p>
+        </p:txBody>
+      </p:sp>
+    </p:spTree>
+    <p:extLst>
+      <p:ext uri="{BB962C8B-B14F-4D97-AF65-F5344CB8AC3E}">
+        <p14:creationId xmlns:p14="http://schemas.microsoft.com/office/powerpoint/2010/main" val="2444225264"/>
+      </p:ext>
+    </p:extLst>
+  </p:cSld>
+  <p:clrMapOvr>
+    <a:masterClrMapping/>
+  </p:clrMapOvr>
+</p:sld>
+</file>
+
+<file path=ppt/slides/slide23.xml><?xml version="1.0" encoding="utf-8"?>
+<p:sld xmlns:a="http://schemas.openxmlformats.org/drawingml/2006/main" xmlns:r="http://schemas.openxmlformats.org/officeDocument/2006/relationships" xmlns:p="http://schemas.openxmlformats.org/presentationml/2006/main">
+  <p:cSld>
+    <p:spTree>
+      <p:nvGrpSpPr>
+        <p:cNvPr id="1" name=""/>
+        <p:cNvGrpSpPr/>
+        <p:nvPr/>
+      </p:nvGrpSpPr>
+      <p:grpSpPr>
+        <a:xfrm>
+          <a:off x="0" y="0"/>
+          <a:ext cx="0" cy="0"/>
+          <a:chOff x="0" y="0"/>
+          <a:chExt cx="0" cy="0"/>
+        </a:xfrm>
+      </p:grpSpPr>
+      <p:sp>
+        <p:nvSpPr>
+          <p:cNvPr id="2" name="Title 1">
+            <a:extLst>
+              <a:ext uri="{FF2B5EF4-FFF2-40B4-BE49-F238E27FC236}">
+                <a16:creationId xmlns:a16="http://schemas.microsoft.com/office/drawing/2014/main" id="{F77F9243-7F60-48A5-8580-6BC70CC45E94}"/>
+              </a:ext>
+            </a:extLst>
+          </p:cNvPr>
+          <p:cNvSpPr>
+            <a:spLocks noGrp="1"/>
+          </p:cNvSpPr>
+          <p:nvPr>
+            <p:ph type="title"/>
+          </p:nvPr>
+        </p:nvSpPr>
+        <p:spPr/>
+        <p:txBody>
+          <a:bodyPr/>
+          <a:lstStyle/>
+          <a:p>
+            <a:r>
+              <a:rPr lang="en-US" dirty="0"/>
+              <a:t>Exercise 3: Editor Node</a:t>
+            </a:r>
+          </a:p>
+        </p:txBody>
+      </p:sp>
+      <p:sp>
+        <p:nvSpPr>
+          <p:cNvPr id="3" name="Content Placeholder 2">
+            <a:extLst>
+              <a:ext uri="{FF2B5EF4-FFF2-40B4-BE49-F238E27FC236}">
+                <a16:creationId xmlns:a16="http://schemas.microsoft.com/office/drawing/2014/main" id="{4EF2B063-3914-46F2-9763-B3341F3BB5C8}"/>
+              </a:ext>
+            </a:extLst>
+          </p:cNvPr>
+          <p:cNvSpPr>
+            <a:spLocks noGrp="1"/>
+          </p:cNvSpPr>
+          <p:nvPr>
+            <p:ph idx="1"/>
+          </p:nvPr>
+        </p:nvSpPr>
+        <p:spPr/>
+        <p:txBody>
+          <a:bodyPr/>
+          <a:lstStyle/>
+          <a:p>
+            <a:r>
+              <a:rPr lang="en-US" dirty="0"/>
+              <a:t>Define Columns</a:t>
+            </a:r>
+          </a:p>
+          <a:p>
+            <a:r>
+              <a:rPr lang="en-US" dirty="0"/>
+              <a:t>To Table</a:t>
+            </a:r>
+          </a:p>
+          <a:p>
+            <a:r>
+              <a:rPr lang="en-US" dirty="0"/>
+              <a:t>Line Configuration Dialog.</a:t>
+            </a:r>
+          </a:p>
+          <a:p>
+            <a:endParaRPr lang="en-US" dirty="0"/>
+          </a:p>
+          <a:p>
+            <a:endParaRPr lang="en-US" dirty="0"/>
+          </a:p>
+          <a:p>
+            <a:endParaRPr lang="en-US" dirty="0"/>
+          </a:p>
+          <a:p>
+            <a:endParaRPr lang="en-US" dirty="0"/>
+          </a:p>
+          <a:p>
+            <a:endParaRPr lang="en-US" dirty="0"/>
+          </a:p>
+        </p:txBody>
+      </p:sp>
+    </p:spTree>
+    <p:extLst>
+      <p:ext uri="{BB962C8B-B14F-4D97-AF65-F5344CB8AC3E}">
+        <p14:creationId xmlns:p14="http://schemas.microsoft.com/office/powerpoint/2010/main" val="3220196452"/>
+      </p:ext>
+    </p:extLst>
+  </p:cSld>
+  <p:clrMapOvr>
+    <a:masterClrMapping/>
+  </p:clrMapOvr>
+</p:sld>
+</file>
+
+<file path=ppt/slides/slide24.xml><?xml version="1.0" encoding="utf-8"?>
+<p:sld xmlns:a="http://schemas.openxmlformats.org/drawingml/2006/main" xmlns:r="http://schemas.openxmlformats.org/officeDocument/2006/relationships" xmlns:p="http://schemas.openxmlformats.org/presentationml/2006/main">
+  <p:cSld>
+    <p:spTree>
+      <p:nvGrpSpPr>
+        <p:cNvPr id="1" name=""/>
+        <p:cNvGrpSpPr/>
+        <p:nvPr/>
+      </p:nvGrpSpPr>
+      <p:grpSpPr>
+        <a:xfrm>
+          <a:off x="0" y="0"/>
+          <a:ext cx="0" cy="0"/>
+          <a:chOff x="0" y="0"/>
+          <a:chExt cx="0" cy="0"/>
+        </a:xfrm>
+      </p:grpSpPr>
+      <p:sp>
+        <p:nvSpPr>
+          <p:cNvPr id="4" name="Text Placeholder 3">
+            <a:extLst>
+              <a:ext uri="{FF2B5EF4-FFF2-40B4-BE49-F238E27FC236}">
+                <a16:creationId xmlns:a16="http://schemas.microsoft.com/office/drawing/2014/main" id="{05F0C360-DA34-4096-A9CE-E2369516CE5A}"/>
+              </a:ext>
+            </a:extLst>
+          </p:cNvPr>
+          <p:cNvSpPr>
+            <a:spLocks noGrp="1"/>
+          </p:cNvSpPr>
+          <p:nvPr>
+            <p:ph type="body" sz="quarter" idx="10"/>
+          </p:nvPr>
+        </p:nvSpPr>
+        <p:spPr/>
+        <p:txBody>
+          <a:bodyPr/>
+          <a:lstStyle/>
+          <a:p>
+            <a:r>
+              <a:rPr lang="en-US" dirty="0"/>
+              <a:t>Exercise 4: Run your module in the engine</a:t>
+            </a:r>
+          </a:p>
+        </p:txBody>
+      </p:sp>
+    </p:spTree>
+    <p:extLst>
+      <p:ext uri="{BB962C8B-B14F-4D97-AF65-F5344CB8AC3E}">
+        <p14:creationId xmlns:p14="http://schemas.microsoft.com/office/powerpoint/2010/main" val="3184597580"/>
+      </p:ext>
+    </p:extLst>
+  </p:cSld>
+  <p:clrMapOvr>
+    <a:masterClrMapping/>
+  </p:clrMapOvr>
+</p:sld>
+</file>
+
+<file path=ppt/slides/slide25.xml><?xml version="1.0" encoding="utf-8"?>
+<p:sld xmlns:a="http://schemas.openxmlformats.org/drawingml/2006/main" xmlns:r="http://schemas.openxmlformats.org/officeDocument/2006/relationships" xmlns:p="http://schemas.openxmlformats.org/presentationml/2006/main">
+  <p:cSld>
+    <p:spTree>
+      <p:nvGrpSpPr>
+        <p:cNvPr id="1" name=""/>
+        <p:cNvGrpSpPr/>
+        <p:nvPr/>
+      </p:nvGrpSpPr>
+      <p:grpSpPr>
+        <a:xfrm>
+          <a:off x="0" y="0"/>
+          <a:ext cx="0" cy="0"/>
+          <a:chOff x="0" y="0"/>
+          <a:chExt cx="0" cy="0"/>
+        </a:xfrm>
+      </p:grpSpPr>
+      <p:sp>
+        <p:nvSpPr>
+          <p:cNvPr id="2" name="Title 1">
+            <a:extLst>
+              <a:ext uri="{FF2B5EF4-FFF2-40B4-BE49-F238E27FC236}">
+                <a16:creationId xmlns:a16="http://schemas.microsoft.com/office/drawing/2014/main" id="{F77F9243-7F60-48A5-8580-6BC70CC45E94}"/>
+              </a:ext>
+            </a:extLst>
+          </p:cNvPr>
+          <p:cNvSpPr>
+            <a:spLocks noGrp="1"/>
+          </p:cNvSpPr>
+          <p:nvPr>
+            <p:ph type="title"/>
+          </p:nvPr>
+        </p:nvSpPr>
+        <p:spPr/>
+        <p:txBody>
+          <a:bodyPr/>
+          <a:lstStyle/>
+          <a:p>
+            <a:r>
+              <a:rPr lang="en-US" dirty="0"/>
+              <a:t>Exercise 4: Running with the module</a:t>
+            </a:r>
+          </a:p>
+        </p:txBody>
+      </p:sp>
+      <p:sp>
+        <p:nvSpPr>
+          <p:cNvPr id="3" name="Content Placeholder 2">
+            <a:extLst>
+              <a:ext uri="{FF2B5EF4-FFF2-40B4-BE49-F238E27FC236}">
+                <a16:creationId xmlns:a16="http://schemas.microsoft.com/office/drawing/2014/main" id="{4EF2B063-3914-46F2-9763-B3341F3BB5C8}"/>
+              </a:ext>
+            </a:extLst>
+          </p:cNvPr>
+          <p:cNvSpPr>
+            <a:spLocks noGrp="1"/>
+          </p:cNvSpPr>
+          <p:nvPr>
+            <p:ph idx="1"/>
+          </p:nvPr>
+        </p:nvSpPr>
+        <p:spPr/>
+        <p:txBody>
+          <a:bodyPr/>
+          <a:lstStyle/>
+          <a:p>
+            <a:r>
+              <a:rPr lang="en-US" dirty="0"/>
+              <a:t>Use the UI module to test 2 multiplexers in the runtime</a:t>
+            </a:r>
+          </a:p>
+          <a:p>
+            <a:endParaRPr lang="en-US" dirty="0"/>
+          </a:p>
+          <a:p>
+            <a:endParaRPr lang="en-US" dirty="0"/>
+          </a:p>
+          <a:p>
+            <a:endParaRPr lang="en-US" dirty="0"/>
+          </a:p>
+          <a:p>
+            <a:endParaRPr lang="en-US" dirty="0"/>
+          </a:p>
+          <a:p>
+            <a:endParaRPr lang="en-US" dirty="0"/>
+          </a:p>
+        </p:txBody>
+      </p:sp>
+    </p:spTree>
+    <p:extLst>
+      <p:ext uri="{BB962C8B-B14F-4D97-AF65-F5344CB8AC3E}">
+        <p14:creationId xmlns:p14="http://schemas.microsoft.com/office/powerpoint/2010/main" val="2297590106"/>
+      </p:ext>
+    </p:extLst>
+  </p:cSld>
+  <p:clrMapOvr>
+    <a:masterClrMapping/>
+  </p:clrMapOvr>
+</p:sld>
+</file>
+
+<file path=ppt/slides/slide26.xml><?xml version="1.0" encoding="utf-8"?>
+<p:sld xmlns:a="http://schemas.openxmlformats.org/drawingml/2006/main" xmlns:r="http://schemas.openxmlformats.org/officeDocument/2006/relationships" xmlns:p="http://schemas.openxmlformats.org/presentationml/2006/main">
+  <p:cSld>
+    <p:spTree>
+      <p:nvGrpSpPr>
+        <p:cNvPr id="1" name=""/>
+        <p:cNvGrpSpPr/>
+        <p:nvPr/>
+      </p:nvGrpSpPr>
+      <p:grpSpPr>
+        <a:xfrm>
+          <a:off x="0" y="0"/>
+          <a:ext cx="0" cy="0"/>
+          <a:chOff x="0" y="0"/>
+          <a:chExt cx="0" cy="0"/>
+        </a:xfrm>
+      </p:grpSpPr>
+      <p:sp>
+        <p:nvSpPr>
+          <p:cNvPr id="2" name="Title 1"/>
+          <p:cNvSpPr>
+            <a:spLocks noGrp="1"/>
+          </p:cNvSpPr>
+          <p:nvPr>
+            <p:ph type="title"/>
+          </p:nvPr>
+        </p:nvSpPr>
+        <p:spPr/>
+        <p:txBody>
+          <a:bodyPr/>
+          <a:lstStyle/>
+          <a:p>
+            <a:r>
+              <a:rPr lang="en-US" dirty="0"/>
+              <a:t>Conclusions</a:t>
+            </a:r>
+          </a:p>
+        </p:txBody>
+      </p:sp>
+      <p:sp>
+        <p:nvSpPr>
+          <p:cNvPr id="3" name="Content Placeholder 2"/>
+          <p:cNvSpPr>
+            <a:spLocks noGrp="1"/>
+          </p:cNvSpPr>
+          <p:nvPr>
+            <p:ph idx="1"/>
+          </p:nvPr>
+        </p:nvSpPr>
+        <p:spPr/>
+        <p:txBody>
+          <a:bodyPr>
+            <a:normAutofit/>
+          </a:bodyPr>
+          <a:lstStyle/>
+          <a:p>
+            <a:pPr lvl="2"/>
+            <a:r>
+              <a:rPr lang="en-US" dirty="0"/>
+              <a:t>Static Modules have their channels and parameters defined by end user</a:t>
+            </a:r>
+          </a:p>
+          <a:p>
+            <a:pPr lvl="2"/>
+            <a:r>
+              <a:rPr lang="en-US" dirty="0"/>
+              <a:t>Create the Module from the Dynamic Module Template</a:t>
+            </a:r>
+          </a:p>
+          <a:p>
+            <a:pPr lvl="2"/>
+            <a:r>
+              <a:rPr lang="en-US" dirty="0"/>
+              <a:t>Create the configuration and define Line</a:t>
+            </a:r>
+          </a:p>
+          <a:p>
+            <a:pPr lvl="2"/>
+            <a:r>
+              <a:rPr lang="en-US" dirty="0"/>
+              <a:t>Implement the runtime</a:t>
+            </a:r>
+          </a:p>
+          <a:p>
+            <a:pPr lvl="2"/>
+            <a:r>
+              <a:rPr lang="en-US" dirty="0"/>
+              <a:t>Create the UI</a:t>
+            </a:r>
+          </a:p>
+          <a:p>
+            <a:pPr lvl="2"/>
+            <a:r>
+              <a:rPr lang="en-US" dirty="0"/>
+              <a:t>You should do testing and validation of </a:t>
+            </a:r>
+            <a:r>
+              <a:rPr lang="en-US"/>
+              <a:t>your module</a:t>
+            </a:r>
+            <a:endParaRPr lang="en-US" dirty="0"/>
+          </a:p>
+        </p:txBody>
+      </p:sp>
+    </p:spTree>
+    <p:extLst>
+      <p:ext uri="{BB962C8B-B14F-4D97-AF65-F5344CB8AC3E}">
+        <p14:creationId xmlns:p14="http://schemas.microsoft.com/office/powerpoint/2010/main" val="1920546832"/>
+      </p:ext>
+    </p:extLst>
+  </p:cSld>
+  <p:clrMapOvr>
+    <a:masterClrMapping/>
+  </p:clrMapOvr>
+</p:sld>
+</file>
+
+<file path=ppt/slides/slide3.xml><?xml version="1.0" encoding="utf-8"?>
+<p:sld xmlns:a="http://schemas.openxmlformats.org/drawingml/2006/main" xmlns:r="http://schemas.openxmlformats.org/officeDocument/2006/relationships" xmlns:p="http://schemas.openxmlformats.org/presentationml/2006/main" show="0">
+  <p:cSld>
+    <p:spTree>
+      <p:nvGrpSpPr>
+        <p:cNvPr id="1" name=""/>
+        <p:cNvGrpSpPr/>
+        <p:nvPr/>
+      </p:nvGrpSpPr>
+      <p:grpSpPr>
+        <a:xfrm>
+          <a:off x="0" y="0"/>
+          <a:ext cx="0" cy="0"/>
+          <a:chOff x="0" y="0"/>
+          <a:chExt cx="0" cy="0"/>
+        </a:xfrm>
+      </p:grpSpPr>
+      <p:sp>
+        <p:nvSpPr>
+          <p:cNvPr id="2" name="Title 1">
+            <a:extLst>
+              <a:ext uri="{FF2B5EF4-FFF2-40B4-BE49-F238E27FC236}">
+                <a16:creationId xmlns:a16="http://schemas.microsoft.com/office/drawing/2014/main" id="{C3E9B032-DA1B-4300-8AE1-E8D626C6CC6E}"/>
+              </a:ext>
+            </a:extLst>
+          </p:cNvPr>
+          <p:cNvSpPr>
+            <a:spLocks noGrp="1"/>
+          </p:cNvSpPr>
+          <p:nvPr>
+            <p:ph type="title"/>
+          </p:nvPr>
+        </p:nvSpPr>
+        <p:spPr/>
+        <p:txBody>
+          <a:bodyPr/>
+          <a:lstStyle/>
+          <a:p>
+            <a:r>
+              <a:rPr lang="en-US" dirty="0"/>
+              <a:t>Exercises</a:t>
+            </a:r>
+          </a:p>
+        </p:txBody>
+      </p:sp>
+      <p:sp>
+        <p:nvSpPr>
+          <p:cNvPr id="3" name="Content Placeholder 2">
+            <a:extLst>
+              <a:ext uri="{FF2B5EF4-FFF2-40B4-BE49-F238E27FC236}">
+                <a16:creationId xmlns:a16="http://schemas.microsoft.com/office/drawing/2014/main" id="{8A9BD7C7-9457-417B-B5BB-7702103BAEC5}"/>
+              </a:ext>
+            </a:extLst>
+          </p:cNvPr>
+          <p:cNvSpPr>
+            <a:spLocks noGrp="1"/>
+          </p:cNvSpPr>
+          <p:nvPr>
+            <p:ph idx="1"/>
+          </p:nvPr>
+        </p:nvSpPr>
+        <p:spPr/>
+        <p:txBody>
+          <a:bodyPr/>
+          <a:lstStyle/>
+          <a:p>
+            <a:r>
+              <a:rPr lang="en-US" dirty="0"/>
+              <a:t>Define the Module</a:t>
+            </a:r>
+          </a:p>
+          <a:p>
+            <a:r>
+              <a:rPr lang="en-US" dirty="0"/>
+              <a:t>Create the module configuration</a:t>
+            </a:r>
+          </a:p>
+          <a:p>
+            <a:r>
+              <a:rPr lang="en-US" dirty="0"/>
+              <a:t>To string from string</a:t>
+            </a:r>
+          </a:p>
+          <a:p>
+            <a:r>
+              <a:rPr lang="en-US" dirty="0"/>
+              <a:t>Test To string from string</a:t>
+            </a:r>
+          </a:p>
+          <a:p>
+            <a:r>
+              <a:rPr lang="en-US" dirty="0"/>
+              <a:t>Create the runtime</a:t>
+            </a:r>
+          </a:p>
+          <a:p>
+            <a:r>
+              <a:rPr lang="en-US" dirty="0"/>
+              <a:t>Test Runtime</a:t>
+            </a:r>
+          </a:p>
+          <a:p>
+            <a:r>
+              <a:rPr lang="en-US" dirty="0"/>
+              <a:t>Create UI</a:t>
+            </a:r>
+          </a:p>
+          <a:p>
+            <a:r>
+              <a:rPr lang="en-US" dirty="0"/>
+              <a:t>Optional (Import/export)</a:t>
+            </a:r>
+          </a:p>
+          <a:p>
+            <a:endParaRPr lang="en-US" dirty="0"/>
+          </a:p>
+          <a:p>
+            <a:endParaRPr lang="en-US" dirty="0"/>
+          </a:p>
+        </p:txBody>
+      </p:sp>
+    </p:spTree>
+    <p:extLst>
+      <p:ext uri="{BB962C8B-B14F-4D97-AF65-F5344CB8AC3E}">
+        <p14:creationId xmlns:p14="http://schemas.microsoft.com/office/powerpoint/2010/main" val="3241707416"/>
       </p:ext>
     </p:extLst>
   </p:cSld>
@@ -7296,7 +8920,7 @@
           <p:cNvPr id="2" name="Title 1">
             <a:extLst>
               <a:ext uri="{FF2B5EF4-FFF2-40B4-BE49-F238E27FC236}">
-                <a16:creationId xmlns:a16="http://schemas.microsoft.com/office/drawing/2014/main" id="{CC7A9EF6-01ED-439F-A409-094DCB43CB99}"/>
+                <a16:creationId xmlns:a16="http://schemas.microsoft.com/office/drawing/2014/main" id="{DDB0AA52-A019-4B11-AE1C-933CE2504665}"/>
               </a:ext>
             </a:extLst>
           </p:cNvPr>
@@ -7314,150 +8938,77 @@
           <a:p>
             <a:r>
               <a:rPr lang="en-US" dirty="0"/>
-              <a:t>Static or Dynamic</a:t>
-            </a:r>
-          </a:p>
-        </p:txBody>
-      </p:sp>
-      <p:sp>
-        <p:nvSpPr>
-          <p:cNvPr id="3" name="Content Placeholder 2">
+              <a:t>Static Or Dynamic?</a:t>
+            </a:r>
+          </a:p>
+        </p:txBody>
+      </p:sp>
+      <p:pic>
+        <p:nvPicPr>
+          <p:cNvPr id="4" name="Content Placeholder 3">
             <a:extLst>
               <a:ext uri="{FF2B5EF4-FFF2-40B4-BE49-F238E27FC236}">
-                <a16:creationId xmlns:a16="http://schemas.microsoft.com/office/drawing/2014/main" id="{3146A820-0D89-4021-9026-5C705BA35C18}"/>
+                <a16:creationId xmlns:a16="http://schemas.microsoft.com/office/drawing/2014/main" id="{D975B083-44FF-4EC6-88B7-B1D22A1E8F83}"/>
               </a:ext>
             </a:extLst>
           </p:cNvPr>
-          <p:cNvSpPr>
-            <a:spLocks noGrp="1"/>
-          </p:cNvSpPr>
-          <p:nvPr>
-            <p:ph sz="half" idx="1"/>
-          </p:nvPr>
-        </p:nvSpPr>
-        <p:spPr/>
-        <p:txBody>
-          <a:bodyPr/>
-          <a:lstStyle/>
-          <a:p>
-            <a:pPr marL="365751" lvl="1" indent="0">
-              <a:buNone/>
-            </a:pPr>
-            <a:r>
-              <a:rPr lang="en-US" b="1" u="sng" dirty="0"/>
-              <a:t>Static</a:t>
-            </a:r>
-          </a:p>
-          <a:p>
-            <a:pPr lvl="1"/>
-            <a:r>
-              <a:rPr lang="en-US" dirty="0"/>
-              <a:t>Module developer defines the number of channels available in the module</a:t>
-            </a:r>
-          </a:p>
-          <a:p>
-            <a:pPr lvl="1"/>
-            <a:r>
-              <a:rPr lang="en-US" dirty="0"/>
-              <a:t>Template includes UI ready to use.</a:t>
-            </a:r>
-          </a:p>
-          <a:p>
-            <a:pPr lvl="1"/>
-            <a:r>
-              <a:rPr lang="en-US" dirty="0"/>
-              <a:t>Easier to Create</a:t>
-            </a:r>
-          </a:p>
-          <a:p>
-            <a:pPr lvl="1"/>
-            <a:r>
-              <a:rPr lang="en-US" dirty="0"/>
-              <a:t>Mostly used for processing</a:t>
-            </a:r>
-          </a:p>
-        </p:txBody>
-      </p:sp>
-      <p:sp>
-        <p:nvSpPr>
-          <p:cNvPr id="4" name="Content Placeholder 3">
+          <p:cNvPicPr>
+            <a:picLocks noGrp="1" noChangeAspect="1"/>
+          </p:cNvPicPr>
+          <p:nvPr>
+            <p:ph idx="1"/>
+          </p:nvPr>
+        </p:nvPicPr>
+        <p:blipFill>
+          <a:blip r:embed="rId2"/>
+          <a:stretch>
+            <a:fillRect/>
+          </a:stretch>
+        </p:blipFill>
+        <p:spPr>
+          <a:xfrm>
+            <a:off x="3008510" y="974725"/>
+            <a:ext cx="6165456" cy="4897438"/>
+          </a:xfrm>
+          <a:prstGeom prst="rect">
+            <a:avLst/>
+          </a:prstGeom>
+        </p:spPr>
+      </p:pic>
+      <p:pic>
+        <p:nvPicPr>
+          <p:cNvPr id="5" name="Picture 4">
             <a:extLst>
               <a:ext uri="{FF2B5EF4-FFF2-40B4-BE49-F238E27FC236}">
-                <a16:creationId xmlns:a16="http://schemas.microsoft.com/office/drawing/2014/main" id="{47E18519-E607-4692-8264-4058E09C741B}"/>
+                <a16:creationId xmlns:a16="http://schemas.microsoft.com/office/drawing/2014/main" id="{C9B7769B-BA63-4090-A5F3-90594FF1DF0F}"/>
               </a:ext>
             </a:extLst>
           </p:cNvPr>
-          <p:cNvSpPr>
-            <a:spLocks noGrp="1"/>
-          </p:cNvSpPr>
-          <p:nvPr>
-            <p:ph sz="half" idx="2"/>
-          </p:nvPr>
-        </p:nvSpPr>
-        <p:spPr/>
-        <p:txBody>
-          <a:bodyPr/>
-          <a:lstStyle/>
-          <a:p>
-            <a:r>
-              <a:rPr lang="en-US" b="1" u="sng" dirty="0"/>
-              <a:t>Dynamic</a:t>
-            </a:r>
-          </a:p>
-          <a:p>
-            <a:pPr marL="342900" indent="-342900">
-              <a:buFont typeface="Arial" panose="020B0604020202020204" pitchFamily="34" charset="0"/>
-              <a:buChar char="•"/>
-            </a:pPr>
-            <a:r>
-              <a:rPr lang="en-US" dirty="0"/>
-              <a:t>Final user can configure the number of channels. </a:t>
-            </a:r>
-          </a:p>
-          <a:p>
-            <a:pPr marL="342900" indent="-342900">
-              <a:buFont typeface="Arial" panose="020B0604020202020204" pitchFamily="34" charset="0"/>
-              <a:buChar char="•"/>
-            </a:pPr>
-            <a:r>
-              <a:rPr lang="en-US" dirty="0"/>
-              <a:t>More flexible template</a:t>
-            </a:r>
-          </a:p>
-          <a:p>
-            <a:pPr marL="342900" indent="-342900">
-              <a:buFont typeface="Arial" panose="020B0604020202020204" pitchFamily="34" charset="0"/>
-              <a:buChar char="•"/>
-            </a:pPr>
-            <a:r>
-              <a:rPr lang="en-US" dirty="0"/>
-              <a:t>Requires more codding. </a:t>
-            </a:r>
-          </a:p>
-          <a:p>
-            <a:pPr marL="342900" indent="-342900">
-              <a:buFont typeface="Arial" panose="020B0604020202020204" pitchFamily="34" charset="0"/>
-              <a:buChar char="•"/>
-            </a:pPr>
-            <a:r>
-              <a:rPr lang="en-US" dirty="0"/>
-              <a:t>More </a:t>
-            </a:r>
-            <a:r>
-              <a:rPr lang="en-US" dirty="0" err="1"/>
-              <a:t>cmmonly</a:t>
-            </a:r>
-            <a:r>
-              <a:rPr lang="en-US" dirty="0"/>
-              <a:t> used for input/output</a:t>
-            </a:r>
-          </a:p>
-        </p:txBody>
-      </p:sp>
+          <p:cNvPicPr>
+            <a:picLocks noChangeAspect="1"/>
+          </p:cNvPicPr>
+          <p:nvPr/>
+        </p:nvPicPr>
+        <p:blipFill>
+          <a:blip r:embed="rId3"/>
+          <a:stretch>
+            <a:fillRect/>
+          </a:stretch>
+        </p:blipFill>
+        <p:spPr>
+          <a:xfrm>
+            <a:off x="3008509" y="1021358"/>
+            <a:ext cx="7002265" cy="5460404"/>
+          </a:xfrm>
+          <a:prstGeom prst="rect">
+            <a:avLst/>
+          </a:prstGeom>
+        </p:spPr>
+      </p:pic>
     </p:spTree>
     <p:extLst>
       <p:ext uri="{BB962C8B-B14F-4D97-AF65-F5344CB8AC3E}">
-        <p14:creationId xmlns:p14="http://schemas.microsoft.com/office/powerpoint/2010/main" val="1614737501"/>
+        <p14:creationId xmlns:p14="http://schemas.microsoft.com/office/powerpoint/2010/main" val="2836441277"/>
       </p:ext>
     </p:extLst>
   </p:cSld>
@@ -7486,6 +9037,303 @@
       </p:grpSpPr>
       <p:sp>
         <p:nvSpPr>
+          <p:cNvPr id="2" name="Title 1">
+            <a:extLst>
+              <a:ext uri="{FF2B5EF4-FFF2-40B4-BE49-F238E27FC236}">
+                <a16:creationId xmlns:a16="http://schemas.microsoft.com/office/drawing/2014/main" id="{CC7A9EF6-01ED-439F-A409-094DCB43CB99}"/>
+              </a:ext>
+            </a:extLst>
+          </p:cNvPr>
+          <p:cNvSpPr>
+            <a:spLocks noGrp="1"/>
+          </p:cNvSpPr>
+          <p:nvPr>
+            <p:ph type="title"/>
+          </p:nvPr>
+        </p:nvSpPr>
+        <p:spPr/>
+        <p:txBody>
+          <a:bodyPr/>
+          <a:lstStyle/>
+          <a:p>
+            <a:r>
+              <a:rPr lang="en-US" dirty="0"/>
+              <a:t>Static or Dynamic</a:t>
+            </a:r>
+          </a:p>
+        </p:txBody>
+      </p:sp>
+      <p:sp>
+        <p:nvSpPr>
+          <p:cNvPr id="3" name="Content Placeholder 2">
+            <a:extLst>
+              <a:ext uri="{FF2B5EF4-FFF2-40B4-BE49-F238E27FC236}">
+                <a16:creationId xmlns:a16="http://schemas.microsoft.com/office/drawing/2014/main" id="{3146A820-0D89-4021-9026-5C705BA35C18}"/>
+              </a:ext>
+            </a:extLst>
+          </p:cNvPr>
+          <p:cNvSpPr>
+            <a:spLocks noGrp="1"/>
+          </p:cNvSpPr>
+          <p:nvPr>
+            <p:ph sz="half" idx="1"/>
+          </p:nvPr>
+        </p:nvSpPr>
+        <p:spPr/>
+        <p:txBody>
+          <a:bodyPr/>
+          <a:lstStyle/>
+          <a:p>
+            <a:pPr marL="365751" lvl="1" indent="0">
+              <a:buNone/>
+            </a:pPr>
+            <a:r>
+              <a:rPr lang="en-US" b="1" u="sng" dirty="0"/>
+              <a:t>Static</a:t>
+            </a:r>
+          </a:p>
+          <a:p>
+            <a:pPr lvl="1"/>
+            <a:r>
+              <a:rPr lang="en-US" dirty="0"/>
+              <a:t>Module developer defines the number of channels available in the module</a:t>
+            </a:r>
+          </a:p>
+          <a:p>
+            <a:pPr lvl="1"/>
+            <a:r>
+              <a:rPr lang="en-US" dirty="0"/>
+              <a:t>Template includes UI ready to use.</a:t>
+            </a:r>
+          </a:p>
+          <a:p>
+            <a:pPr lvl="1"/>
+            <a:r>
+              <a:rPr lang="en-US" dirty="0"/>
+              <a:t>Easier to Create</a:t>
+            </a:r>
+          </a:p>
+          <a:p>
+            <a:pPr lvl="1"/>
+            <a:r>
+              <a:rPr lang="en-US" dirty="0"/>
+              <a:t>Mostly used for processing</a:t>
+            </a:r>
+          </a:p>
+        </p:txBody>
+      </p:sp>
+      <p:sp>
+        <p:nvSpPr>
+          <p:cNvPr id="4" name="Content Placeholder 3">
+            <a:extLst>
+              <a:ext uri="{FF2B5EF4-FFF2-40B4-BE49-F238E27FC236}">
+                <a16:creationId xmlns:a16="http://schemas.microsoft.com/office/drawing/2014/main" id="{47E18519-E607-4692-8264-4058E09C741B}"/>
+              </a:ext>
+            </a:extLst>
+          </p:cNvPr>
+          <p:cNvSpPr>
+            <a:spLocks noGrp="1"/>
+          </p:cNvSpPr>
+          <p:nvPr>
+            <p:ph sz="half" idx="2"/>
+          </p:nvPr>
+        </p:nvSpPr>
+        <p:spPr/>
+        <p:txBody>
+          <a:bodyPr/>
+          <a:lstStyle/>
+          <a:p>
+            <a:r>
+              <a:rPr lang="en-US" b="1" u="sng" dirty="0"/>
+              <a:t>Dynamic</a:t>
+            </a:r>
+          </a:p>
+          <a:p>
+            <a:pPr marL="342900" indent="-342900">
+              <a:buFont typeface="Arial" panose="020B0604020202020204" pitchFamily="34" charset="0"/>
+              <a:buChar char="•"/>
+            </a:pPr>
+            <a:r>
+              <a:rPr lang="en-US" dirty="0"/>
+              <a:t>Final user can configure the number of channels. </a:t>
+            </a:r>
+          </a:p>
+          <a:p>
+            <a:pPr marL="342900" indent="-342900">
+              <a:buFont typeface="Arial" panose="020B0604020202020204" pitchFamily="34" charset="0"/>
+              <a:buChar char="•"/>
+            </a:pPr>
+            <a:r>
+              <a:rPr lang="en-US" dirty="0"/>
+              <a:t>More flexible template</a:t>
+            </a:r>
+          </a:p>
+          <a:p>
+            <a:pPr marL="342900" indent="-342900">
+              <a:buFont typeface="Arial" panose="020B0604020202020204" pitchFamily="34" charset="0"/>
+              <a:buChar char="•"/>
+            </a:pPr>
+            <a:r>
+              <a:rPr lang="en-US" dirty="0"/>
+              <a:t>Requires more codding. </a:t>
+            </a:r>
+          </a:p>
+          <a:p>
+            <a:pPr marL="342900" indent="-342900">
+              <a:buFont typeface="Arial" panose="020B0604020202020204" pitchFamily="34" charset="0"/>
+              <a:buChar char="•"/>
+            </a:pPr>
+            <a:r>
+              <a:rPr lang="en-US" dirty="0"/>
+              <a:t>More </a:t>
+            </a:r>
+            <a:r>
+              <a:rPr lang="en-US" dirty="0" err="1"/>
+              <a:t>cmmonly</a:t>
+            </a:r>
+            <a:r>
+              <a:rPr lang="en-US" dirty="0"/>
+              <a:t> used for input/output</a:t>
+            </a:r>
+          </a:p>
+        </p:txBody>
+      </p:sp>
+    </p:spTree>
+    <p:extLst>
+      <p:ext uri="{BB962C8B-B14F-4D97-AF65-F5344CB8AC3E}">
+        <p14:creationId xmlns:p14="http://schemas.microsoft.com/office/powerpoint/2010/main" val="1614737501"/>
+      </p:ext>
+    </p:extLst>
+  </p:cSld>
+  <p:clrMapOvr>
+    <a:masterClrMapping/>
+  </p:clrMapOvr>
+</p:sld>
+</file>
+
+<file path=ppt/slides/slide6.xml><?xml version="1.0" encoding="utf-8"?>
+<p:sld xmlns:a="http://schemas.openxmlformats.org/drawingml/2006/main" xmlns:r="http://schemas.openxmlformats.org/officeDocument/2006/relationships" xmlns:p="http://schemas.openxmlformats.org/presentationml/2006/main">
+  <p:cSld>
+    <p:spTree>
+      <p:nvGrpSpPr>
+        <p:cNvPr id="1" name=""/>
+        <p:cNvGrpSpPr/>
+        <p:nvPr/>
+      </p:nvGrpSpPr>
+      <p:grpSpPr>
+        <a:xfrm>
+          <a:off x="0" y="0"/>
+          <a:ext cx="0" cy="0"/>
+          <a:chOff x="0" y="0"/>
+          <a:chExt cx="0" cy="0"/>
+        </a:xfrm>
+      </p:grpSpPr>
+      <p:sp>
+        <p:nvSpPr>
+          <p:cNvPr id="2" name="Title 1">
+            <a:extLst>
+              <a:ext uri="{FF2B5EF4-FFF2-40B4-BE49-F238E27FC236}">
+                <a16:creationId xmlns:a16="http://schemas.microsoft.com/office/drawing/2014/main" id="{BC26DB11-D228-418C-B7CB-9ED7CCEAA618}"/>
+              </a:ext>
+            </a:extLst>
+          </p:cNvPr>
+          <p:cNvSpPr>
+            <a:spLocks noGrp="1"/>
+          </p:cNvSpPr>
+          <p:nvPr>
+            <p:ph type="title"/>
+          </p:nvPr>
+        </p:nvSpPr>
+        <p:spPr/>
+        <p:txBody>
+          <a:bodyPr/>
+          <a:lstStyle/>
+          <a:p>
+            <a:r>
+              <a:rPr lang="en-US" dirty="0"/>
+              <a:t>Multiplexer module description</a:t>
+            </a:r>
+          </a:p>
+        </p:txBody>
+      </p:sp>
+      <p:sp>
+        <p:nvSpPr>
+          <p:cNvPr id="5" name="Content Placeholder 4">
+            <a:extLst>
+              <a:ext uri="{FF2B5EF4-FFF2-40B4-BE49-F238E27FC236}">
+                <a16:creationId xmlns:a16="http://schemas.microsoft.com/office/drawing/2014/main" id="{6A990E45-914C-4C06-99CE-D35DA850190F}"/>
+              </a:ext>
+            </a:extLst>
+          </p:cNvPr>
+          <p:cNvSpPr>
+            <a:spLocks noGrp="1"/>
+          </p:cNvSpPr>
+          <p:nvPr>
+            <p:ph idx="1"/>
+          </p:nvPr>
+        </p:nvSpPr>
+        <p:spPr/>
+        <p:txBody>
+          <a:bodyPr/>
+          <a:lstStyle/>
+          <a:p>
+            <a:r>
+              <a:rPr lang="en-US" dirty="0"/>
+              <a:t>Module will select between 2 channel which will be sent to the output.</a:t>
+            </a:r>
+          </a:p>
+          <a:p>
+            <a:r>
+              <a:rPr lang="en-US" dirty="0"/>
+              <a:t>The module most support multiple multiplexers</a:t>
+            </a:r>
+          </a:p>
+          <a:p>
+            <a:r>
+              <a:rPr lang="en-US" dirty="0"/>
+              <a:t>Input Channels will be doubles, output will be double and select a Boolean.</a:t>
+            </a:r>
+          </a:p>
+          <a:p>
+            <a:r>
+              <a:rPr lang="en-US" dirty="0"/>
+              <a:t>There is a scaling multiplier that affect all modules, and multiply the output. This is defined in the configuration and has a default value of 1. </a:t>
+            </a:r>
+          </a:p>
+        </p:txBody>
+      </p:sp>
+    </p:spTree>
+    <p:extLst>
+      <p:ext uri="{BB962C8B-B14F-4D97-AF65-F5344CB8AC3E}">
+        <p14:creationId xmlns:p14="http://schemas.microsoft.com/office/powerpoint/2010/main" val="152095136"/>
+      </p:ext>
+    </p:extLst>
+  </p:cSld>
+  <p:clrMapOvr>
+    <a:masterClrMapping/>
+  </p:clrMapOvr>
+</p:sld>
+</file>
+
+<file path=ppt/slides/slide7.xml><?xml version="1.0" encoding="utf-8"?>
+<p:sld xmlns:a="http://schemas.openxmlformats.org/drawingml/2006/main" xmlns:r="http://schemas.openxmlformats.org/officeDocument/2006/relationships" xmlns:p="http://schemas.openxmlformats.org/presentationml/2006/main">
+  <p:cSld>
+    <p:spTree>
+      <p:nvGrpSpPr>
+        <p:cNvPr id="1" name=""/>
+        <p:cNvGrpSpPr/>
+        <p:nvPr/>
+      </p:nvGrpSpPr>
+      <p:grpSpPr>
+        <a:xfrm>
+          <a:off x="0" y="0"/>
+          <a:ext cx="0" cy="0"/>
+          <a:chOff x="0" y="0"/>
+          <a:chExt cx="0" cy="0"/>
+        </a:xfrm>
+      </p:grpSpPr>
+      <p:sp>
+        <p:nvSpPr>
           <p:cNvPr id="2" name="Title 1"/>
           <p:cNvSpPr>
             <a:spLocks noGrp="1"/>
@@ -7670,6 +9518,340 @@
     <p:extLst>
       <p:ext uri="{BB962C8B-B14F-4D97-AF65-F5344CB8AC3E}">
         <p14:creationId xmlns:p14="http://schemas.microsoft.com/office/powerpoint/2010/main" val="968655536"/>
+      </p:ext>
+    </p:extLst>
+  </p:cSld>
+  <p:clrMapOvr>
+    <a:masterClrMapping/>
+  </p:clrMapOvr>
+</p:sld>
+</file>
+
+<file path=ppt/slides/slide8.xml><?xml version="1.0" encoding="utf-8"?>
+<p:sld xmlns:a="http://schemas.openxmlformats.org/drawingml/2006/main" xmlns:r="http://schemas.openxmlformats.org/officeDocument/2006/relationships" xmlns:p="http://schemas.openxmlformats.org/presentationml/2006/main">
+  <p:cSld>
+    <p:spTree>
+      <p:nvGrpSpPr>
+        <p:cNvPr id="1" name=""/>
+        <p:cNvGrpSpPr/>
+        <p:nvPr/>
+      </p:nvGrpSpPr>
+      <p:grpSpPr>
+        <a:xfrm>
+          <a:off x="0" y="0"/>
+          <a:ext cx="0" cy="0"/>
+          <a:chOff x="0" y="0"/>
+          <a:chExt cx="0" cy="0"/>
+        </a:xfrm>
+      </p:grpSpPr>
+      <p:sp>
+        <p:nvSpPr>
+          <p:cNvPr id="2" name="Title 1">
+            <a:extLst>
+              <a:ext uri="{FF2B5EF4-FFF2-40B4-BE49-F238E27FC236}">
+                <a16:creationId xmlns:a16="http://schemas.microsoft.com/office/drawing/2014/main" id="{A95174D6-22BD-4D3F-A124-FB7B034FE72B}"/>
+              </a:ext>
+            </a:extLst>
+          </p:cNvPr>
+          <p:cNvSpPr>
+            <a:spLocks noGrp="1"/>
+          </p:cNvSpPr>
+          <p:nvPr>
+            <p:ph type="title"/>
+          </p:nvPr>
+        </p:nvSpPr>
+        <p:spPr/>
+        <p:txBody>
+          <a:bodyPr/>
+          <a:lstStyle/>
+          <a:p>
+            <a:r>
+              <a:rPr lang="en-US" dirty="0"/>
+              <a:t>Config Options</a:t>
+            </a:r>
+          </a:p>
+        </p:txBody>
+      </p:sp>
+      <p:sp>
+        <p:nvSpPr>
+          <p:cNvPr id="5" name="Content Placeholder 4">
+            <a:extLst>
+              <a:ext uri="{FF2B5EF4-FFF2-40B4-BE49-F238E27FC236}">
+                <a16:creationId xmlns:a16="http://schemas.microsoft.com/office/drawing/2014/main" id="{5B75AC86-B504-4578-BCF2-1E541830FB56}"/>
+              </a:ext>
+            </a:extLst>
+          </p:cNvPr>
+          <p:cNvSpPr>
+            <a:spLocks noGrp="1"/>
+          </p:cNvSpPr>
+          <p:nvPr>
+            <p:ph idx="1"/>
+          </p:nvPr>
+        </p:nvSpPr>
+        <p:spPr/>
+        <p:txBody>
+          <a:bodyPr/>
+          <a:lstStyle/>
+          <a:p>
+            <a:r>
+              <a:rPr lang="en-US" dirty="0"/>
+              <a:t>Supported Targets</a:t>
+            </a:r>
+          </a:p>
+          <a:p>
+            <a:endParaRPr lang="en-US" dirty="0"/>
+          </a:p>
+          <a:p>
+            <a:r>
+              <a:rPr lang="en-US" dirty="0"/>
+              <a:t>Supported Types</a:t>
+            </a:r>
+          </a:p>
+          <a:p>
+            <a:endParaRPr lang="en-US" dirty="0"/>
+          </a:p>
+          <a:p>
+            <a:r>
+              <a:rPr lang="en-US" dirty="0"/>
+              <a:t>Execution Options</a:t>
+            </a:r>
+          </a:p>
+          <a:p>
+            <a:endParaRPr lang="en-US" dirty="0"/>
+          </a:p>
+          <a:p>
+            <a:endParaRPr lang="en-US" dirty="0"/>
+          </a:p>
+          <a:p>
+            <a:endParaRPr lang="en-US" dirty="0"/>
+          </a:p>
+        </p:txBody>
+      </p:sp>
+      <p:pic>
+        <p:nvPicPr>
+          <p:cNvPr id="6" name="Picture 5">
+            <a:extLst>
+              <a:ext uri="{FF2B5EF4-FFF2-40B4-BE49-F238E27FC236}">
+                <a16:creationId xmlns:a16="http://schemas.microsoft.com/office/drawing/2014/main" id="{D34F27C6-0A9A-4BAF-8F17-4E585371157F}"/>
+              </a:ext>
+            </a:extLst>
+          </p:cNvPr>
+          <p:cNvPicPr>
+            <a:picLocks noChangeAspect="1"/>
+          </p:cNvPicPr>
+          <p:nvPr/>
+        </p:nvPicPr>
+        <p:blipFill>
+          <a:blip r:embed="rId2"/>
+          <a:stretch>
+            <a:fillRect/>
+          </a:stretch>
+        </p:blipFill>
+        <p:spPr>
+          <a:xfrm>
+            <a:off x="5539317" y="975360"/>
+            <a:ext cx="6038850" cy="4848225"/>
+          </a:xfrm>
+          <a:prstGeom prst="rect">
+            <a:avLst/>
+          </a:prstGeom>
+        </p:spPr>
+      </p:pic>
+    </p:spTree>
+    <p:extLst>
+      <p:ext uri="{BB962C8B-B14F-4D97-AF65-F5344CB8AC3E}">
+        <p14:creationId xmlns:p14="http://schemas.microsoft.com/office/powerpoint/2010/main" val="2063614048"/>
+      </p:ext>
+    </p:extLst>
+  </p:cSld>
+  <p:clrMapOvr>
+    <a:masterClrMapping/>
+  </p:clrMapOvr>
+</p:sld>
+</file>
+
+<file path=ppt/slides/slide9.xml><?xml version="1.0" encoding="utf-8"?>
+<p:sld xmlns:a="http://schemas.openxmlformats.org/drawingml/2006/main" xmlns:r="http://schemas.openxmlformats.org/officeDocument/2006/relationships" xmlns:p="http://schemas.openxmlformats.org/presentationml/2006/main">
+  <p:cSld>
+    <p:spTree>
+      <p:nvGrpSpPr>
+        <p:cNvPr id="1" name=""/>
+        <p:cNvGrpSpPr/>
+        <p:nvPr/>
+      </p:nvGrpSpPr>
+      <p:grpSpPr>
+        <a:xfrm>
+          <a:off x="0" y="0"/>
+          <a:ext cx="0" cy="0"/>
+          <a:chOff x="0" y="0"/>
+          <a:chExt cx="0" cy="0"/>
+        </a:xfrm>
+      </p:grpSpPr>
+      <p:sp>
+        <p:nvSpPr>
+          <p:cNvPr id="2" name="Title 1">
+            <a:extLst>
+              <a:ext uri="{FF2B5EF4-FFF2-40B4-BE49-F238E27FC236}">
+                <a16:creationId xmlns:a16="http://schemas.microsoft.com/office/drawing/2014/main" id="{660FC25E-D1BE-4C90-AF4A-C86F4BFB0C97}"/>
+              </a:ext>
+            </a:extLst>
+          </p:cNvPr>
+          <p:cNvSpPr>
+            <a:spLocks noGrp="1"/>
+          </p:cNvSpPr>
+          <p:nvPr>
+            <p:ph type="title"/>
+          </p:nvPr>
+        </p:nvSpPr>
+        <p:spPr/>
+        <p:txBody>
+          <a:bodyPr/>
+          <a:lstStyle/>
+          <a:p>
+            <a:r>
+              <a:rPr lang="en-US" dirty="0"/>
+              <a:t>Configuration Class</a:t>
+            </a:r>
+          </a:p>
+        </p:txBody>
+      </p:sp>
+      <p:sp>
+        <p:nvSpPr>
+          <p:cNvPr id="3" name="Content Placeholder 2">
+            <a:extLst>
+              <a:ext uri="{FF2B5EF4-FFF2-40B4-BE49-F238E27FC236}">
+                <a16:creationId xmlns:a16="http://schemas.microsoft.com/office/drawing/2014/main" id="{FEA8FF3E-9486-4910-A9D2-D13A387AA942}"/>
+              </a:ext>
+            </a:extLst>
+          </p:cNvPr>
+          <p:cNvSpPr>
+            <a:spLocks noGrp="1"/>
+          </p:cNvSpPr>
+          <p:nvPr>
+            <p:ph idx="1"/>
+          </p:nvPr>
+        </p:nvSpPr>
+        <p:spPr>
+          <a:xfrm>
+            <a:off x="605367" y="1083076"/>
+            <a:ext cx="5953125" cy="4788558"/>
+          </a:xfrm>
+        </p:spPr>
+        <p:txBody>
+          <a:bodyPr/>
+          <a:lstStyle/>
+          <a:p>
+            <a:r>
+              <a:rPr lang="en-US" dirty="0"/>
+              <a:t>Lines</a:t>
+            </a:r>
+          </a:p>
+          <a:p>
+            <a:pPr lvl="1"/>
+            <a:r>
+              <a:rPr lang="en-US" dirty="0"/>
+              <a:t>A Line in DCAF is a logical grouping of one or more channels and their data or name; an instance of 1 of whatever the module “does”. </a:t>
+            </a:r>
+          </a:p>
+          <a:p>
+            <a:pPr lvl="1"/>
+            <a:r>
+              <a:rPr lang="en-US" dirty="0"/>
+              <a:t>Modules will have multiple lines</a:t>
+            </a:r>
+          </a:p>
+          <a:p>
+            <a:pPr lvl="1"/>
+            <a:r>
+              <a:rPr lang="en-US" dirty="0"/>
+              <a:t>There are pre-existing VIs that operate on lines. </a:t>
+            </a:r>
+          </a:p>
+          <a:p>
+            <a:endParaRPr lang="en-US" dirty="0"/>
+          </a:p>
+          <a:p>
+            <a:r>
+              <a:rPr lang="en-US" dirty="0"/>
+              <a:t>Additional Configuration</a:t>
+            </a:r>
+          </a:p>
+          <a:p>
+            <a:pPr lvl="1"/>
+            <a:r>
+              <a:rPr lang="en-US" dirty="0"/>
+              <a:t>All the additional configuration in the module that apply to all lines. </a:t>
+            </a:r>
+          </a:p>
+          <a:p>
+            <a:endParaRPr lang="en-US" dirty="0"/>
+          </a:p>
+        </p:txBody>
+      </p:sp>
+      <p:pic>
+        <p:nvPicPr>
+          <p:cNvPr id="4" name="Picture 3">
+            <a:extLst>
+              <a:ext uri="{FF2B5EF4-FFF2-40B4-BE49-F238E27FC236}">
+                <a16:creationId xmlns:a16="http://schemas.microsoft.com/office/drawing/2014/main" id="{B3501282-D871-4784-ACC0-15A3958B0BF4}"/>
+              </a:ext>
+            </a:extLst>
+          </p:cNvPr>
+          <p:cNvPicPr>
+            <a:picLocks noChangeAspect="1"/>
+          </p:cNvPicPr>
+          <p:nvPr/>
+        </p:nvPicPr>
+        <p:blipFill>
+          <a:blip r:embed="rId2"/>
+          <a:stretch>
+            <a:fillRect/>
+          </a:stretch>
+        </p:blipFill>
+        <p:spPr>
+          <a:xfrm>
+            <a:off x="8583782" y="956734"/>
+            <a:ext cx="2552700" cy="2257425"/>
+          </a:xfrm>
+          <a:prstGeom prst="rect">
+            <a:avLst/>
+          </a:prstGeom>
+        </p:spPr>
+      </p:pic>
+      <p:pic>
+        <p:nvPicPr>
+          <p:cNvPr id="5" name="Picture 4">
+            <a:extLst>
+              <a:ext uri="{FF2B5EF4-FFF2-40B4-BE49-F238E27FC236}">
+                <a16:creationId xmlns:a16="http://schemas.microsoft.com/office/drawing/2014/main" id="{C0A27362-5AC9-4EB5-9AFB-197C11B35B84}"/>
+              </a:ext>
+            </a:extLst>
+          </p:cNvPr>
+          <p:cNvPicPr>
+            <a:picLocks noChangeAspect="1"/>
+          </p:cNvPicPr>
+          <p:nvPr/>
+        </p:nvPicPr>
+        <p:blipFill>
+          <a:blip r:embed="rId3"/>
+          <a:stretch>
+            <a:fillRect/>
+          </a:stretch>
+        </p:blipFill>
+        <p:spPr>
+          <a:xfrm>
+            <a:off x="7091152" y="3414297"/>
+            <a:ext cx="5019675" cy="2657475"/>
+          </a:xfrm>
+          <a:prstGeom prst="rect">
+            <a:avLst/>
+          </a:prstGeom>
+        </p:spPr>
+      </p:pic>
+    </p:spTree>
+    <p:extLst>
+      <p:ext uri="{BB962C8B-B14F-4D97-AF65-F5344CB8AC3E}">
+        <p14:creationId xmlns:p14="http://schemas.microsoft.com/office/powerpoint/2010/main" val="3368218088"/>
       </p:ext>
     </p:extLst>
   </p:cSld>

--- a/Trunk/Getting Started Material/DCAF Training/7 Dynamic Modules.pptx
+++ b/Trunk/Getting Started Material/DCAF Training/7 Dynamic Modules.pptx
@@ -21,16 +21,18 @@
     <p:sldId id="406" r:id="rId15"/>
     <p:sldId id="412" r:id="rId16"/>
     <p:sldId id="413" r:id="rId17"/>
-    <p:sldId id="408" r:id="rId18"/>
-    <p:sldId id="407" r:id="rId19"/>
-    <p:sldId id="409" r:id="rId20"/>
-    <p:sldId id="410" r:id="rId21"/>
-    <p:sldId id="411" r:id="rId22"/>
-    <p:sldId id="415" r:id="rId23"/>
-    <p:sldId id="418" r:id="rId24"/>
-    <p:sldId id="417" r:id="rId25"/>
-    <p:sldId id="420" r:id="rId26"/>
-    <p:sldId id="422" r:id="rId27"/>
+    <p:sldId id="423" r:id="rId18"/>
+    <p:sldId id="424" r:id="rId19"/>
+    <p:sldId id="408" r:id="rId20"/>
+    <p:sldId id="407" r:id="rId21"/>
+    <p:sldId id="409" r:id="rId22"/>
+    <p:sldId id="410" r:id="rId23"/>
+    <p:sldId id="411" r:id="rId24"/>
+    <p:sldId id="415" r:id="rId25"/>
+    <p:sldId id="418" r:id="rId26"/>
+    <p:sldId id="417" r:id="rId27"/>
+    <p:sldId id="420" r:id="rId28"/>
+    <p:sldId id="422" r:id="rId29"/>
   </p:sldIdLst>
   <p:sldSz cx="12192000" cy="6858000"/>
   <p:notesSz cx="6858000" cy="9144000"/>
@@ -3272,7 +3274,7 @@
           <a:p>
             <a:fld id="{9B35DD74-3974-4499-A04F-B283A29442F2}" type="datetimeFigureOut">
               <a:rPr lang="en-US" smtClean="0"/>
-              <a:t>7/9/2018</a:t>
+              <a:t>7/17/2018</a:t>
             </a:fld>
             <a:endParaRPr lang="en-US"/>
           </a:p>
@@ -4263,7 +4265,7 @@
           <a:p>
             <a:fld id="{9B35DD74-3974-4499-A04F-B283A29442F2}" type="datetimeFigureOut">
               <a:rPr lang="en-US" smtClean="0"/>
-              <a:t>7/9/2018</a:t>
+              <a:t>7/17/2018</a:t>
             </a:fld>
             <a:endParaRPr lang="en-US"/>
           </a:p>
@@ -7454,6 +7456,18 @@
           <a:p>
             <a:r>
               <a:rPr lang="en-US" dirty="0"/>
+              <a:t>Override Get Line Name</a:t>
+            </a:r>
+          </a:p>
+          <a:p>
+            <a:r>
+              <a:rPr lang="en-US" dirty="0"/>
+              <a:t>Update Get channels from line</a:t>
+            </a:r>
+          </a:p>
+          <a:p>
+            <a:r>
+              <a:rPr lang="en-US" dirty="0"/>
               <a:t>Implement to String and from String</a:t>
             </a:r>
           </a:p>
@@ -7800,10 +7814,10 @@
       </p:grpSpPr>
       <p:sp>
         <p:nvSpPr>
-          <p:cNvPr id="4" name="Text Placeholder 3">
+          <p:cNvPr id="2" name="Title 1">
             <a:extLst>
               <a:ext uri="{FF2B5EF4-FFF2-40B4-BE49-F238E27FC236}">
-                <a16:creationId xmlns:a16="http://schemas.microsoft.com/office/drawing/2014/main" id="{05F0C360-DA34-4096-A9CE-E2369516CE5A}"/>
+                <a16:creationId xmlns:a16="http://schemas.microsoft.com/office/drawing/2014/main" id="{7808591E-0C79-4261-A68E-A20FC8136D9A}"/>
               </a:ext>
             </a:extLst>
           </p:cNvPr>
@@ -7811,7 +7825,7 @@
             <a:spLocks noGrp="1"/>
           </p:cNvSpPr>
           <p:nvPr>
-            <p:ph type="body" sz="quarter" idx="10"/>
+            <p:ph type="title"/>
           </p:nvPr>
         </p:nvSpPr>
         <p:spPr/>
@@ -7821,15 +7835,40 @@
           <a:p>
             <a:r>
               <a:rPr lang="en-US" dirty="0"/>
-              <a:t>Exercise 2: Multiplexer Runtime</a:t>
-            </a:r>
+              <a:t>Init and mapping</a:t>
+            </a:r>
+          </a:p>
+        </p:txBody>
+      </p:sp>
+      <p:sp>
+        <p:nvSpPr>
+          <p:cNvPr id="3" name="Content Placeholder 2">
+            <a:extLst>
+              <a:ext uri="{FF2B5EF4-FFF2-40B4-BE49-F238E27FC236}">
+                <a16:creationId xmlns:a16="http://schemas.microsoft.com/office/drawing/2014/main" id="{19E20F9E-D11A-4187-BDE7-FA8179DD1125}"/>
+              </a:ext>
+            </a:extLst>
+          </p:cNvPr>
+          <p:cNvSpPr>
+            <a:spLocks noGrp="1"/>
+          </p:cNvSpPr>
+          <p:nvPr>
+            <p:ph idx="1"/>
+          </p:nvPr>
+        </p:nvSpPr>
+        <p:spPr/>
+        <p:txBody>
+          <a:bodyPr/>
+          <a:lstStyle/>
+          <a:p>
+            <a:endParaRPr lang="en-US"/>
           </a:p>
         </p:txBody>
       </p:sp>
     </p:spTree>
     <p:extLst>
       <p:ext uri="{BB962C8B-B14F-4D97-AF65-F5344CB8AC3E}">
-        <p14:creationId xmlns:p14="http://schemas.microsoft.com/office/powerpoint/2010/main" val="3329254432"/>
+        <p14:creationId xmlns:p14="http://schemas.microsoft.com/office/powerpoint/2010/main" val="3364054645"/>
       </p:ext>
     </p:extLst>
   </p:cSld>
@@ -7861,7 +7900,7 @@
           <p:cNvPr id="2" name="Title 1">
             <a:extLst>
               <a:ext uri="{FF2B5EF4-FFF2-40B4-BE49-F238E27FC236}">
-                <a16:creationId xmlns:a16="http://schemas.microsoft.com/office/drawing/2014/main" id="{EFD357B1-2887-4913-9DD8-C0EE80A0C18F}"/>
+                <a16:creationId xmlns:a16="http://schemas.microsoft.com/office/drawing/2014/main" id="{25F5A068-3F29-4BB4-835C-397B86BD7113}"/>
               </a:ext>
             </a:extLst>
           </p:cNvPr>
@@ -7879,7 +7918,7 @@
           <a:p>
             <a:r>
               <a:rPr lang="en-US" dirty="0"/>
-              <a:t>Exercise 2: Multiplexer Runtime</a:t>
+              <a:t>Runtime Example</a:t>
             </a:r>
           </a:p>
         </p:txBody>
@@ -7889,7 +7928,7 @@
           <p:cNvPr id="3" name="Content Placeholder 2">
             <a:extLst>
               <a:ext uri="{FF2B5EF4-FFF2-40B4-BE49-F238E27FC236}">
-                <a16:creationId xmlns:a16="http://schemas.microsoft.com/office/drawing/2014/main" id="{AD40C41E-1B99-4FF4-A8E0-62D686DE4465}"/>
+                <a16:creationId xmlns:a16="http://schemas.microsoft.com/office/drawing/2014/main" id="{DBA2C696-1F91-4D13-99EE-8954CD6397CB}"/>
               </a:ext>
             </a:extLst>
           </p:cNvPr>
@@ -7905,29 +7944,14 @@
           <a:bodyPr/>
           <a:lstStyle/>
           <a:p>
-            <a:r>
-              <a:rPr lang="en-US" dirty="0"/>
-              <a:t>Initialize the runtime class with the scaling value</a:t>
-            </a:r>
-          </a:p>
-          <a:p>
-            <a:r>
-              <a:rPr lang="en-US" dirty="0"/>
-              <a:t>Write the runtime to multiplex channels</a:t>
-            </a:r>
-          </a:p>
-          <a:p>
-            <a:r>
-              <a:rPr lang="en-US" dirty="0"/>
-              <a:t>Unit test the runtime. </a:t>
-            </a:r>
+            <a:endParaRPr lang="en-US"/>
           </a:p>
         </p:txBody>
       </p:sp>
     </p:spTree>
     <p:extLst>
       <p:ext uri="{BB962C8B-B14F-4D97-AF65-F5344CB8AC3E}">
-        <p14:creationId xmlns:p14="http://schemas.microsoft.com/office/powerpoint/2010/main" val="2925313803"/>
+        <p14:creationId xmlns:p14="http://schemas.microsoft.com/office/powerpoint/2010/main" val="1150957770"/>
       </p:ext>
     </p:extLst>
   </p:cSld>
@@ -7956,10 +7980,10 @@
       </p:grpSpPr>
       <p:sp>
         <p:nvSpPr>
-          <p:cNvPr id="2" name="Title 1">
+          <p:cNvPr id="4" name="Text Placeholder 3">
             <a:extLst>
               <a:ext uri="{FF2B5EF4-FFF2-40B4-BE49-F238E27FC236}">
-                <a16:creationId xmlns:a16="http://schemas.microsoft.com/office/drawing/2014/main" id="{05154675-5137-414E-87EB-D615864DF94D}"/>
+                <a16:creationId xmlns:a16="http://schemas.microsoft.com/office/drawing/2014/main" id="{05F0C360-DA34-4096-A9CE-E2369516CE5A}"/>
               </a:ext>
             </a:extLst>
           </p:cNvPr>
@@ -7967,7 +7991,7 @@
             <a:spLocks noGrp="1"/>
           </p:cNvSpPr>
           <p:nvPr>
-            <p:ph type="title"/>
+            <p:ph type="body" sz="quarter" idx="10"/>
           </p:nvPr>
         </p:nvSpPr>
         <p:spPr/>
@@ -7977,47 +8001,15 @@
           <a:p>
             <a:r>
               <a:rPr lang="en-US" dirty="0"/>
-              <a:t>Editor Node</a:t>
-            </a:r>
-          </a:p>
-        </p:txBody>
-      </p:sp>
-      <p:pic>
-        <p:nvPicPr>
-          <p:cNvPr id="5" name="Content Placeholder 4">
-            <a:extLst>
-              <a:ext uri="{FF2B5EF4-FFF2-40B4-BE49-F238E27FC236}">
-                <a16:creationId xmlns:a16="http://schemas.microsoft.com/office/drawing/2014/main" id="{A0D8EE56-EA84-4B7B-AE29-9D9E49E51BDB}"/>
-              </a:ext>
-            </a:extLst>
-          </p:cNvPr>
-          <p:cNvPicPr>
-            <a:picLocks noGrp="1" noChangeAspect="1"/>
-          </p:cNvPicPr>
-          <p:nvPr>
-            <p:ph idx="1"/>
-          </p:nvPr>
-        </p:nvPicPr>
-        <p:blipFill>
-          <a:blip r:embed="rId2"/>
-          <a:stretch>
-            <a:fillRect/>
-          </a:stretch>
-        </p:blipFill>
-        <p:spPr>
-          <a:xfrm>
-            <a:off x="724480" y="974725"/>
-            <a:ext cx="10733515" cy="4897438"/>
-          </a:xfrm>
-          <a:prstGeom prst="rect">
-            <a:avLst/>
-          </a:prstGeom>
-        </p:spPr>
-      </p:pic>
+              <a:t>Exercise 2: Multiplexer Runtime</a:t>
+            </a:r>
+          </a:p>
+        </p:txBody>
+      </p:sp>
     </p:spTree>
     <p:extLst>
       <p:ext uri="{BB962C8B-B14F-4D97-AF65-F5344CB8AC3E}">
-        <p14:creationId xmlns:p14="http://schemas.microsoft.com/office/powerpoint/2010/main" val="1324204237"/>
+        <p14:creationId xmlns:p14="http://schemas.microsoft.com/office/powerpoint/2010/main" val="3329254432"/>
       </p:ext>
     </p:extLst>
   </p:cSld>
@@ -8159,7 +8151,7 @@
           <p:cNvPr id="2" name="Title 1">
             <a:extLst>
               <a:ext uri="{FF2B5EF4-FFF2-40B4-BE49-F238E27FC236}">
-                <a16:creationId xmlns:a16="http://schemas.microsoft.com/office/drawing/2014/main" id="{62D72453-29A3-44AC-A32B-D6DA3958C0AB}"/>
+                <a16:creationId xmlns:a16="http://schemas.microsoft.com/office/drawing/2014/main" id="{EFD357B1-2887-4913-9DD8-C0EE80A0C18F}"/>
               </a:ext>
             </a:extLst>
           </p:cNvPr>
@@ -8177,47 +8169,55 @@
           <a:p>
             <a:r>
               <a:rPr lang="en-US" dirty="0"/>
-              <a:t>Define Columns</a:t>
-            </a:r>
-          </a:p>
-        </p:txBody>
-      </p:sp>
-      <p:pic>
-        <p:nvPicPr>
-          <p:cNvPr id="4" name="Content Placeholder 3">
+              <a:t>Exercise 2: Multiplexer Runtime</a:t>
+            </a:r>
+          </a:p>
+        </p:txBody>
+      </p:sp>
+      <p:sp>
+        <p:nvSpPr>
+          <p:cNvPr id="3" name="Content Placeholder 2">
             <a:extLst>
               <a:ext uri="{FF2B5EF4-FFF2-40B4-BE49-F238E27FC236}">
-                <a16:creationId xmlns:a16="http://schemas.microsoft.com/office/drawing/2014/main" id="{5F7D5F94-B1BB-436A-B2AC-6BA762B60225}"/>
+                <a16:creationId xmlns:a16="http://schemas.microsoft.com/office/drawing/2014/main" id="{AD40C41E-1B99-4FF4-A8E0-62D686DE4465}"/>
               </a:ext>
             </a:extLst>
           </p:cNvPr>
-          <p:cNvPicPr>
-            <a:picLocks noGrp="1" noChangeAspect="1"/>
-          </p:cNvPicPr>
+          <p:cNvSpPr>
+            <a:spLocks noGrp="1"/>
+          </p:cNvSpPr>
           <p:nvPr>
             <p:ph idx="1"/>
           </p:nvPr>
-        </p:nvPicPr>
-        <p:blipFill>
-          <a:blip r:embed="rId2"/>
-          <a:stretch>
-            <a:fillRect/>
-          </a:stretch>
-        </p:blipFill>
-        <p:spPr>
-          <a:xfrm>
-            <a:off x="3810840" y="975360"/>
-            <a:ext cx="4915901" cy="4897438"/>
-          </a:xfrm>
-          <a:prstGeom prst="rect">
-            <a:avLst/>
-          </a:prstGeom>
-        </p:spPr>
-      </p:pic>
+        </p:nvSpPr>
+        <p:spPr/>
+        <p:txBody>
+          <a:bodyPr/>
+          <a:lstStyle/>
+          <a:p>
+            <a:r>
+              <a:rPr lang="en-US" dirty="0"/>
+              <a:t>Initialize the runtime class with the scaling value</a:t>
+            </a:r>
+          </a:p>
+          <a:p>
+            <a:r>
+              <a:rPr lang="en-US" dirty="0"/>
+              <a:t>Write the runtime to multiplex channels</a:t>
+            </a:r>
+          </a:p>
+          <a:p>
+            <a:r>
+              <a:rPr lang="en-US" dirty="0"/>
+              <a:t>Unit test the runtime. </a:t>
+            </a:r>
+          </a:p>
+        </p:txBody>
+      </p:sp>
     </p:spTree>
     <p:extLst>
       <p:ext uri="{BB962C8B-B14F-4D97-AF65-F5344CB8AC3E}">
-        <p14:creationId xmlns:p14="http://schemas.microsoft.com/office/powerpoint/2010/main" val="4204014354"/>
+        <p14:creationId xmlns:p14="http://schemas.microsoft.com/office/powerpoint/2010/main" val="2925313803"/>
       </p:ext>
     </p:extLst>
   </p:cSld>
@@ -8249,7 +8249,7 @@
           <p:cNvPr id="2" name="Title 1">
             <a:extLst>
               <a:ext uri="{FF2B5EF4-FFF2-40B4-BE49-F238E27FC236}">
-                <a16:creationId xmlns:a16="http://schemas.microsoft.com/office/drawing/2014/main" id="{822001EB-2CB7-4E26-B18C-506200AEA474}"/>
+                <a16:creationId xmlns:a16="http://schemas.microsoft.com/office/drawing/2014/main" id="{05154675-5137-414E-87EB-D615864DF94D}"/>
               </a:ext>
             </a:extLst>
           </p:cNvPr>
@@ -8267,17 +8267,17 @@
           <a:p>
             <a:r>
               <a:rPr lang="en-US" dirty="0"/>
-              <a:t>Line Configuration Dialog</a:t>
+              <a:t>Editor Node</a:t>
             </a:r>
           </a:p>
         </p:txBody>
       </p:sp>
       <p:pic>
         <p:nvPicPr>
-          <p:cNvPr id="4" name="Content Placeholder 3">
+          <p:cNvPr id="5" name="Content Placeholder 4">
             <a:extLst>
               <a:ext uri="{FF2B5EF4-FFF2-40B4-BE49-F238E27FC236}">
-                <a16:creationId xmlns:a16="http://schemas.microsoft.com/office/drawing/2014/main" id="{AE76481A-D222-4EBC-B999-9FC30D00587C}"/>
+                <a16:creationId xmlns:a16="http://schemas.microsoft.com/office/drawing/2014/main" id="{A0D8EE56-EA84-4B7B-AE29-9D9E49E51BDB}"/>
               </a:ext>
             </a:extLst>
           </p:cNvPr>
@@ -8296,8 +8296,8 @@
         </p:blipFill>
         <p:spPr>
           <a:xfrm>
-            <a:off x="1864985" y="974725"/>
-            <a:ext cx="8452505" cy="4897438"/>
+            <a:off x="724480" y="974725"/>
+            <a:ext cx="10733515" cy="4897438"/>
           </a:xfrm>
           <a:prstGeom prst="rect">
             <a:avLst/>
@@ -8307,7 +8307,7 @@
     </p:spTree>
     <p:extLst>
       <p:ext uri="{BB962C8B-B14F-4D97-AF65-F5344CB8AC3E}">
-        <p14:creationId xmlns:p14="http://schemas.microsoft.com/office/powerpoint/2010/main" val="1424009595"/>
+        <p14:creationId xmlns:p14="http://schemas.microsoft.com/office/powerpoint/2010/main" val="1324204237"/>
       </p:ext>
     </p:extLst>
   </p:cSld>
@@ -8336,10 +8336,10 @@
       </p:grpSpPr>
       <p:sp>
         <p:nvSpPr>
-          <p:cNvPr id="4" name="Text Placeholder 3">
+          <p:cNvPr id="2" name="Title 1">
             <a:extLst>
               <a:ext uri="{FF2B5EF4-FFF2-40B4-BE49-F238E27FC236}">
-                <a16:creationId xmlns:a16="http://schemas.microsoft.com/office/drawing/2014/main" id="{05F0C360-DA34-4096-A9CE-E2369516CE5A}"/>
+                <a16:creationId xmlns:a16="http://schemas.microsoft.com/office/drawing/2014/main" id="{62D72453-29A3-44AC-A32B-D6DA3958C0AB}"/>
               </a:ext>
             </a:extLst>
           </p:cNvPr>
@@ -8347,7 +8347,7 @@
             <a:spLocks noGrp="1"/>
           </p:cNvSpPr>
           <p:nvPr>
-            <p:ph type="body" sz="quarter" idx="10"/>
+            <p:ph type="title"/>
           </p:nvPr>
         </p:nvSpPr>
         <p:spPr/>
@@ -8357,15 +8357,47 @@
           <a:p>
             <a:r>
               <a:rPr lang="en-US" dirty="0"/>
-              <a:t>Exercise 3: Editor Node</a:t>
-            </a:r>
-          </a:p>
-        </p:txBody>
-      </p:sp>
+              <a:t>Define Columns</a:t>
+            </a:r>
+          </a:p>
+        </p:txBody>
+      </p:sp>
+      <p:pic>
+        <p:nvPicPr>
+          <p:cNvPr id="4" name="Content Placeholder 3">
+            <a:extLst>
+              <a:ext uri="{FF2B5EF4-FFF2-40B4-BE49-F238E27FC236}">
+                <a16:creationId xmlns:a16="http://schemas.microsoft.com/office/drawing/2014/main" id="{5F7D5F94-B1BB-436A-B2AC-6BA762B60225}"/>
+              </a:ext>
+            </a:extLst>
+          </p:cNvPr>
+          <p:cNvPicPr>
+            <a:picLocks noGrp="1" noChangeAspect="1"/>
+          </p:cNvPicPr>
+          <p:nvPr>
+            <p:ph idx="1"/>
+          </p:nvPr>
+        </p:nvPicPr>
+        <p:blipFill>
+          <a:blip r:embed="rId2"/>
+          <a:stretch>
+            <a:fillRect/>
+          </a:stretch>
+        </p:blipFill>
+        <p:spPr>
+          <a:xfrm>
+            <a:off x="3810840" y="975360"/>
+            <a:ext cx="4915901" cy="4897438"/>
+          </a:xfrm>
+          <a:prstGeom prst="rect">
+            <a:avLst/>
+          </a:prstGeom>
+        </p:spPr>
+      </p:pic>
     </p:spTree>
     <p:extLst>
       <p:ext uri="{BB962C8B-B14F-4D97-AF65-F5344CB8AC3E}">
-        <p14:creationId xmlns:p14="http://schemas.microsoft.com/office/powerpoint/2010/main" val="2444225264"/>
+        <p14:creationId xmlns:p14="http://schemas.microsoft.com/office/powerpoint/2010/main" val="4204014354"/>
       </p:ext>
     </p:extLst>
   </p:cSld>
@@ -8397,7 +8429,7 @@
           <p:cNvPr id="2" name="Title 1">
             <a:extLst>
               <a:ext uri="{FF2B5EF4-FFF2-40B4-BE49-F238E27FC236}">
-                <a16:creationId xmlns:a16="http://schemas.microsoft.com/office/drawing/2014/main" id="{F77F9243-7F60-48A5-8580-6BC70CC45E94}"/>
+                <a16:creationId xmlns:a16="http://schemas.microsoft.com/office/drawing/2014/main" id="{822001EB-2CB7-4E26-B18C-506200AEA474}"/>
               </a:ext>
             </a:extLst>
           </p:cNvPr>
@@ -8415,70 +8447,47 @@
           <a:p>
             <a:r>
               <a:rPr lang="en-US" dirty="0"/>
-              <a:t>Exercise 3: Editor Node</a:t>
-            </a:r>
-          </a:p>
-        </p:txBody>
-      </p:sp>
-      <p:sp>
-        <p:nvSpPr>
-          <p:cNvPr id="3" name="Content Placeholder 2">
+              <a:t>Line Configuration Dialog</a:t>
+            </a:r>
+          </a:p>
+        </p:txBody>
+      </p:sp>
+      <p:pic>
+        <p:nvPicPr>
+          <p:cNvPr id="4" name="Content Placeholder 3">
             <a:extLst>
               <a:ext uri="{FF2B5EF4-FFF2-40B4-BE49-F238E27FC236}">
-                <a16:creationId xmlns:a16="http://schemas.microsoft.com/office/drawing/2014/main" id="{4EF2B063-3914-46F2-9763-B3341F3BB5C8}"/>
+                <a16:creationId xmlns:a16="http://schemas.microsoft.com/office/drawing/2014/main" id="{AE76481A-D222-4EBC-B999-9FC30D00587C}"/>
               </a:ext>
             </a:extLst>
           </p:cNvPr>
-          <p:cNvSpPr>
-            <a:spLocks noGrp="1"/>
-          </p:cNvSpPr>
+          <p:cNvPicPr>
+            <a:picLocks noGrp="1" noChangeAspect="1"/>
+          </p:cNvPicPr>
           <p:nvPr>
             <p:ph idx="1"/>
           </p:nvPr>
-        </p:nvSpPr>
-        <p:spPr/>
-        <p:txBody>
-          <a:bodyPr/>
-          <a:lstStyle/>
-          <a:p>
-            <a:r>
-              <a:rPr lang="en-US" dirty="0"/>
-              <a:t>Define Columns</a:t>
-            </a:r>
-          </a:p>
-          <a:p>
-            <a:r>
-              <a:rPr lang="en-US" dirty="0"/>
-              <a:t>To Table</a:t>
-            </a:r>
-          </a:p>
-          <a:p>
-            <a:r>
-              <a:rPr lang="en-US" dirty="0"/>
-              <a:t>Line Configuration Dialog.</a:t>
-            </a:r>
-          </a:p>
-          <a:p>
-            <a:endParaRPr lang="en-US" dirty="0"/>
-          </a:p>
-          <a:p>
-            <a:endParaRPr lang="en-US" dirty="0"/>
-          </a:p>
-          <a:p>
-            <a:endParaRPr lang="en-US" dirty="0"/>
-          </a:p>
-          <a:p>
-            <a:endParaRPr lang="en-US" dirty="0"/>
-          </a:p>
-          <a:p>
-            <a:endParaRPr lang="en-US" dirty="0"/>
-          </a:p>
-        </p:txBody>
-      </p:sp>
+        </p:nvPicPr>
+        <p:blipFill>
+          <a:blip r:embed="rId2"/>
+          <a:stretch>
+            <a:fillRect/>
+          </a:stretch>
+        </p:blipFill>
+        <p:spPr>
+          <a:xfrm>
+            <a:off x="1864985" y="974725"/>
+            <a:ext cx="8452505" cy="4897438"/>
+          </a:xfrm>
+          <a:prstGeom prst="rect">
+            <a:avLst/>
+          </a:prstGeom>
+        </p:spPr>
+      </p:pic>
     </p:spTree>
     <p:extLst>
       <p:ext uri="{BB962C8B-B14F-4D97-AF65-F5344CB8AC3E}">
-        <p14:creationId xmlns:p14="http://schemas.microsoft.com/office/powerpoint/2010/main" val="3220196452"/>
+        <p14:creationId xmlns:p14="http://schemas.microsoft.com/office/powerpoint/2010/main" val="1424009595"/>
       </p:ext>
     </p:extLst>
   </p:cSld>
@@ -8528,7 +8537,7 @@
           <a:p>
             <a:r>
               <a:rPr lang="en-US" dirty="0"/>
-              <a:t>Exercise 4: Run your module in the engine</a:t>
+              <a:t>Exercise 3: Editor Node</a:t>
             </a:r>
           </a:p>
         </p:txBody>
@@ -8536,7 +8545,7 @@
     </p:spTree>
     <p:extLst>
       <p:ext uri="{BB962C8B-B14F-4D97-AF65-F5344CB8AC3E}">
-        <p14:creationId xmlns:p14="http://schemas.microsoft.com/office/powerpoint/2010/main" val="3184597580"/>
+        <p14:creationId xmlns:p14="http://schemas.microsoft.com/office/powerpoint/2010/main" val="2444225264"/>
       </p:ext>
     </p:extLst>
   </p:cSld>
@@ -8586,6 +8595,184 @@
           <a:p>
             <a:r>
               <a:rPr lang="en-US" dirty="0"/>
+              <a:t>Exercise 3: Editor Node</a:t>
+            </a:r>
+          </a:p>
+        </p:txBody>
+      </p:sp>
+      <p:sp>
+        <p:nvSpPr>
+          <p:cNvPr id="3" name="Content Placeholder 2">
+            <a:extLst>
+              <a:ext uri="{FF2B5EF4-FFF2-40B4-BE49-F238E27FC236}">
+                <a16:creationId xmlns:a16="http://schemas.microsoft.com/office/drawing/2014/main" id="{4EF2B063-3914-46F2-9763-B3341F3BB5C8}"/>
+              </a:ext>
+            </a:extLst>
+          </p:cNvPr>
+          <p:cNvSpPr>
+            <a:spLocks noGrp="1"/>
+          </p:cNvSpPr>
+          <p:nvPr>
+            <p:ph idx="1"/>
+          </p:nvPr>
+        </p:nvSpPr>
+        <p:spPr/>
+        <p:txBody>
+          <a:bodyPr/>
+          <a:lstStyle/>
+          <a:p>
+            <a:r>
+              <a:rPr lang="en-US" dirty="0"/>
+              <a:t>Define Columns</a:t>
+            </a:r>
+          </a:p>
+          <a:p>
+            <a:pPr lvl="1"/>
+            <a:r>
+              <a:rPr lang="en-US" dirty="0"/>
+              <a:t>Callbacks</a:t>
+            </a:r>
+          </a:p>
+          <a:p>
+            <a:r>
+              <a:rPr lang="en-US" dirty="0"/>
+              <a:t>To Table</a:t>
+            </a:r>
+          </a:p>
+          <a:p>
+            <a:r>
+              <a:rPr lang="en-US" dirty="0"/>
+              <a:t>Line Configuration Dialog.</a:t>
+            </a:r>
+          </a:p>
+          <a:p>
+            <a:endParaRPr lang="en-US" dirty="0"/>
+          </a:p>
+          <a:p>
+            <a:endParaRPr lang="en-US" dirty="0"/>
+          </a:p>
+          <a:p>
+            <a:endParaRPr lang="en-US" dirty="0"/>
+          </a:p>
+          <a:p>
+            <a:endParaRPr lang="en-US" dirty="0"/>
+          </a:p>
+          <a:p>
+            <a:endParaRPr lang="en-US" dirty="0"/>
+          </a:p>
+        </p:txBody>
+      </p:sp>
+    </p:spTree>
+    <p:extLst>
+      <p:ext uri="{BB962C8B-B14F-4D97-AF65-F5344CB8AC3E}">
+        <p14:creationId xmlns:p14="http://schemas.microsoft.com/office/powerpoint/2010/main" val="3220196452"/>
+      </p:ext>
+    </p:extLst>
+  </p:cSld>
+  <p:clrMapOvr>
+    <a:masterClrMapping/>
+  </p:clrMapOvr>
+</p:sld>
+</file>
+
+<file path=ppt/slides/slide26.xml><?xml version="1.0" encoding="utf-8"?>
+<p:sld xmlns:a="http://schemas.openxmlformats.org/drawingml/2006/main" xmlns:r="http://schemas.openxmlformats.org/officeDocument/2006/relationships" xmlns:p="http://schemas.openxmlformats.org/presentationml/2006/main">
+  <p:cSld>
+    <p:spTree>
+      <p:nvGrpSpPr>
+        <p:cNvPr id="1" name=""/>
+        <p:cNvGrpSpPr/>
+        <p:nvPr/>
+      </p:nvGrpSpPr>
+      <p:grpSpPr>
+        <a:xfrm>
+          <a:off x="0" y="0"/>
+          <a:ext cx="0" cy="0"/>
+          <a:chOff x="0" y="0"/>
+          <a:chExt cx="0" cy="0"/>
+        </a:xfrm>
+      </p:grpSpPr>
+      <p:sp>
+        <p:nvSpPr>
+          <p:cNvPr id="4" name="Text Placeholder 3">
+            <a:extLst>
+              <a:ext uri="{FF2B5EF4-FFF2-40B4-BE49-F238E27FC236}">
+                <a16:creationId xmlns:a16="http://schemas.microsoft.com/office/drawing/2014/main" id="{05F0C360-DA34-4096-A9CE-E2369516CE5A}"/>
+              </a:ext>
+            </a:extLst>
+          </p:cNvPr>
+          <p:cNvSpPr>
+            <a:spLocks noGrp="1"/>
+          </p:cNvSpPr>
+          <p:nvPr>
+            <p:ph type="body" sz="quarter" idx="10"/>
+          </p:nvPr>
+        </p:nvSpPr>
+        <p:spPr/>
+        <p:txBody>
+          <a:bodyPr/>
+          <a:lstStyle/>
+          <a:p>
+            <a:r>
+              <a:rPr lang="en-US" dirty="0"/>
+              <a:t>Exercise 4: Run your module in the engine</a:t>
+            </a:r>
+          </a:p>
+        </p:txBody>
+      </p:sp>
+    </p:spTree>
+    <p:extLst>
+      <p:ext uri="{BB962C8B-B14F-4D97-AF65-F5344CB8AC3E}">
+        <p14:creationId xmlns:p14="http://schemas.microsoft.com/office/powerpoint/2010/main" val="3184597580"/>
+      </p:ext>
+    </p:extLst>
+  </p:cSld>
+  <p:clrMapOvr>
+    <a:masterClrMapping/>
+  </p:clrMapOvr>
+</p:sld>
+</file>
+
+<file path=ppt/slides/slide27.xml><?xml version="1.0" encoding="utf-8"?>
+<p:sld xmlns:a="http://schemas.openxmlformats.org/drawingml/2006/main" xmlns:r="http://schemas.openxmlformats.org/officeDocument/2006/relationships" xmlns:p="http://schemas.openxmlformats.org/presentationml/2006/main">
+  <p:cSld>
+    <p:spTree>
+      <p:nvGrpSpPr>
+        <p:cNvPr id="1" name=""/>
+        <p:cNvGrpSpPr/>
+        <p:nvPr/>
+      </p:nvGrpSpPr>
+      <p:grpSpPr>
+        <a:xfrm>
+          <a:off x="0" y="0"/>
+          <a:ext cx="0" cy="0"/>
+          <a:chOff x="0" y="0"/>
+          <a:chExt cx="0" cy="0"/>
+        </a:xfrm>
+      </p:grpSpPr>
+      <p:sp>
+        <p:nvSpPr>
+          <p:cNvPr id="2" name="Title 1">
+            <a:extLst>
+              <a:ext uri="{FF2B5EF4-FFF2-40B4-BE49-F238E27FC236}">
+                <a16:creationId xmlns:a16="http://schemas.microsoft.com/office/drawing/2014/main" id="{F77F9243-7F60-48A5-8580-6BC70CC45E94}"/>
+              </a:ext>
+            </a:extLst>
+          </p:cNvPr>
+          <p:cNvSpPr>
+            <a:spLocks noGrp="1"/>
+          </p:cNvSpPr>
+          <p:nvPr>
+            <p:ph type="title"/>
+          </p:nvPr>
+        </p:nvSpPr>
+        <p:spPr/>
+        <p:txBody>
+          <a:bodyPr/>
+          <a:lstStyle/>
+          <a:p>
+            <a:r>
+              <a:rPr lang="en-US" dirty="0"/>
               <a:t>Exercise 4: Running with the module</a:t>
             </a:r>
           </a:p>
@@ -8647,7 +8834,7 @@
 </p:sld>
 </file>
 
-<file path=ppt/slides/slide26.xml><?xml version="1.0" encoding="utf-8"?>
+<file path=ppt/slides/slide28.xml><?xml version="1.0" encoding="utf-8"?>
 <p:sld xmlns:a="http://schemas.openxmlformats.org/drawingml/2006/main" xmlns:r="http://schemas.openxmlformats.org/officeDocument/2006/relationships" xmlns:p="http://schemas.openxmlformats.org/presentationml/2006/main">
   <p:cSld>
     <p:spTree>

--- a/Trunk/Getting Started Material/DCAF Training/7 Dynamic Modules.pptx
+++ b/Trunk/Getting Started Material/DCAF Training/7 Dynamic Modules.pptx
@@ -3274,7 +3274,7 @@
           <a:p>
             <a:fld id="{9B35DD74-3974-4499-A04F-B283A29442F2}" type="datetimeFigureOut">
               <a:rPr lang="en-US" smtClean="0"/>
-              <a:t>7/17/2018</a:t>
+              <a:t>8/28/2018</a:t>
             </a:fld>
             <a:endParaRPr lang="en-US"/>
           </a:p>
@@ -4265,7 +4265,7 @@
           <a:p>
             <a:fld id="{9B35DD74-3974-4499-A04F-B283A29442F2}" type="datetimeFigureOut">
               <a:rPr lang="en-US" smtClean="0"/>
-              <a:t>7/17/2018</a:t>
+              <a:t>8/28/2018</a:t>
             </a:fld>
             <a:endParaRPr lang="en-US"/>
           </a:p>
@@ -7338,13 +7338,8 @@
           <a:p>
             <a:r>
               <a:rPr lang="en-US" dirty="0"/>
-              <a:t>Exercise 1: Multiplexer </a:t>
-            </a:r>
-            <a:r>
-              <a:rPr lang="en-US" dirty="0" err="1"/>
-              <a:t>configiration</a:t>
-            </a:r>
-            <a:endParaRPr lang="en-US" dirty="0"/>
+              <a:t>Exercise 1: Multiplexer configuration</a:t>
+            </a:r>
           </a:p>
         </p:txBody>
       </p:sp>
@@ -9372,15 +9367,7 @@
             </a:pPr>
             <a:r>
               <a:rPr lang="en-US" dirty="0"/>
-              <a:t>More </a:t>
-            </a:r>
-            <a:r>
-              <a:rPr lang="en-US" dirty="0" err="1"/>
-              <a:t>cmmonly</a:t>
-            </a:r>
-            <a:r>
-              <a:rPr lang="en-US" dirty="0"/>
-              <a:t> used for input/output</a:t>
+              <a:t>More commonly used for input/output</a:t>
             </a:r>
           </a:p>
         </p:txBody>
